--- a/6조 발표자료.pptx
+++ b/6조 발표자료.pptx
@@ -19,36 +19,39 @@
     <p:sldId id="308" r:id="rId13"/>
     <p:sldId id="311" r:id="rId14"/>
     <p:sldId id="319" r:id="rId15"/>
-    <p:sldId id="310" r:id="rId16"/>
-    <p:sldId id="314" r:id="rId17"/>
-    <p:sldId id="322" r:id="rId18"/>
-    <p:sldId id="324" r:id="rId19"/>
-    <p:sldId id="305" r:id="rId20"/>
+    <p:sldId id="327" r:id="rId16"/>
+    <p:sldId id="328" r:id="rId17"/>
+    <p:sldId id="329" r:id="rId18"/>
+    <p:sldId id="310" r:id="rId19"/>
+    <p:sldId id="314" r:id="rId20"/>
+    <p:sldId id="322" r:id="rId21"/>
+    <p:sldId id="324" r:id="rId22"/>
+    <p:sldId id="305" r:id="rId23"/>
   </p:sldIdLst>
   <p:sldSz cx="9144000" cy="6858000" type="screen4x3"/>
   <p:notesSz cx="6858000" cy="9144000"/>
   <p:embeddedFontLst>
     <p:embeddedFont>
       <p:font typeface="맑은 고딕" panose="020B0503020000020004" pitchFamily="34" charset="-127"/>
-      <p:regular r:id="rId21"/>
-      <p:bold r:id="rId22"/>
+      <p:regular r:id="rId24"/>
+      <p:bold r:id="rId25"/>
     </p:embeddedFont>
     <p:embeddedFont>
       <p:font typeface="Yoon 윤고딕 520_TT" panose="02090603020101020101" pitchFamily="18" charset="-127"/>
-      <p:regular r:id="rId23"/>
+      <p:regular r:id="rId26"/>
     </p:embeddedFont>
     <p:embeddedFont>
       <p:font typeface="Verdana Pro" panose="020B0604030504040204" pitchFamily="34" charset="0"/>
-      <p:regular r:id="rId24"/>
-      <p:bold r:id="rId25"/>
-      <p:italic r:id="rId26"/>
-      <p:boldItalic r:id="rId27"/>
+      <p:regular r:id="rId27"/>
+      <p:bold r:id="rId28"/>
+      <p:italic r:id="rId29"/>
+      <p:boldItalic r:id="rId30"/>
     </p:embeddedFont>
     <p:embeddedFont>
       <p:font typeface="Verdana Pro Black" panose="020F0502020204030204" pitchFamily="34" charset="0"/>
-      <p:bold r:id="rId28"/>
-      <p:italic r:id="rId29"/>
-      <p:boldItalic r:id="rId30"/>
+      <p:bold r:id="rId31"/>
+      <p:italic r:id="rId32"/>
+      <p:boldItalic r:id="rId33"/>
     </p:embeddedFont>
   </p:embeddedFontLst>
   <p:defaultTextStyle>
@@ -3729,7 +3732,7 @@
         <p:spPr>
           <a:xfrm>
             <a:off x="1043607" y="138482"/>
-            <a:ext cx="3672407" cy="369332"/>
+            <a:ext cx="4248471" cy="369332"/>
           </a:xfrm>
           <a:prstGeom prst="rect">
             <a:avLst/>
@@ -3742,7 +3745,6 @@
           </a:bodyPr>
           <a:lstStyle/>
           <a:p>
-            <a:pPr algn="ctr"/>
             <a:r>
               <a:rPr lang="ko-KR" altLang="en-US" dirty="0">
                 <a:ln>
@@ -3758,22 +3760,25 @@
                 <a:latin typeface="Yoon 윤고딕 520_TT" pitchFamily="18" charset="-127"/>
                 <a:ea typeface="Yoon 윤고딕 520_TT" pitchFamily="18" charset="-127"/>
               </a:rPr>
-              <a:t>기능적 요구사항</a:t>
-            </a:r>
-            <a:endParaRPr lang="en-US" altLang="ko-KR" dirty="0">
-              <a:ln>
+              <a:t>기능적 요구사항 </a:t>
+            </a:r>
+            <a:r>
+              <a:rPr lang="en-US" altLang="ko-KR" dirty="0">
+                <a:ln>
+                  <a:solidFill>
+                    <a:schemeClr val="tx1">
+                      <a:alpha val="30000"/>
+                    </a:schemeClr>
+                  </a:solidFill>
+                </a:ln>
                 <a:solidFill>
-                  <a:schemeClr val="tx1">
-                    <a:alpha val="30000"/>
-                  </a:schemeClr>
+                  <a:srgbClr val="272123"/>
                 </a:solidFill>
-              </a:ln>
-              <a:solidFill>
-                <a:srgbClr val="272123"/>
-              </a:solidFill>
-              <a:latin typeface="Yoon 윤고딕 520_TT" pitchFamily="18" charset="-127"/>
-              <a:ea typeface="Yoon 윤고딕 520_TT" pitchFamily="18" charset="-127"/>
-            </a:endParaRPr>
+                <a:latin typeface="Yoon 윤고딕 520_TT" pitchFamily="18" charset="-127"/>
+                <a:ea typeface="Yoon 윤고딕 520_TT" pitchFamily="18" charset="-127"/>
+              </a:rPr>
+              <a:t>(Functional requirements)</a:t>
+            </a:r>
           </a:p>
         </p:txBody>
       </p:sp>
@@ -3999,8 +4004,8 @@
         </p:nvSpPr>
         <p:spPr>
           <a:xfrm>
-            <a:off x="1259632" y="1124744"/>
-            <a:ext cx="7538907" cy="5262979"/>
+            <a:off x="1187624" y="877188"/>
+            <a:ext cx="7538907" cy="5647700"/>
           </a:xfrm>
           <a:prstGeom prst="rect">
             <a:avLst/>
@@ -4013,132 +4018,230 @@
           </a:bodyPr>
           <a:lstStyle/>
           <a:p>
-            <a:pPr marL="457200" indent="-457200">
-              <a:buAutoNum type="arabicPeriod"/>
-            </a:pPr>
-            <a:r>
-              <a:rPr lang="en-US" altLang="ko-KR" sz="2400" dirty="0"/>
-              <a:t>Date, Person, Location</a:t>
-            </a:r>
-            <a:r>
-              <a:rPr lang="ko-KR" altLang="en-US" sz="2400" dirty="0"/>
+            <a:r>
+              <a:rPr lang="en-US" altLang="ko-KR" sz="1900" dirty="0"/>
+              <a:t>FR1 Date, Person, Location</a:t>
+            </a:r>
+            <a:r>
+              <a:rPr lang="ko-KR" altLang="en-US" sz="1900" dirty="0"/>
               <a:t>을 이용한 데이터 </a:t>
             </a:r>
-            <a:endParaRPr lang="en-US" altLang="ko-KR" sz="2400" dirty="0"/>
-          </a:p>
-          <a:p>
-            <a:r>
-              <a:rPr lang="ko-KR" altLang="en-US" sz="2400" dirty="0"/>
+            <a:endParaRPr lang="en-US" altLang="ko-KR" sz="1900" dirty="0"/>
+          </a:p>
+          <a:p>
+            <a:r>
+              <a:rPr lang="ko-KR" altLang="en-US" sz="1900" dirty="0"/>
               <a:t>검색기능 구현</a:t>
             </a:r>
-            <a:endParaRPr lang="en-US" altLang="ko-KR" sz="2400" dirty="0"/>
-          </a:p>
-          <a:p>
-            <a:endParaRPr lang="en-US" altLang="ko-KR" sz="2400" dirty="0"/>
-          </a:p>
-          <a:p>
-            <a:r>
-              <a:rPr lang="en-US" altLang="ko-KR" sz="2400" dirty="0"/>
-              <a:t>2. </a:t>
-            </a:r>
-            <a:r>
-              <a:rPr lang="ko-KR" altLang="en-US" sz="2400" dirty="0"/>
+            <a:endParaRPr lang="en-US" altLang="ko-KR" sz="1900" dirty="0"/>
+          </a:p>
+          <a:p>
+            <a:endParaRPr lang="en-US" altLang="ko-KR" sz="1900" dirty="0"/>
+          </a:p>
+          <a:p>
+            <a:r>
+              <a:rPr lang="en-US" altLang="ko-KR" sz="1900" dirty="0"/>
+              <a:t>FR2 </a:t>
+            </a:r>
+            <a:r>
+              <a:rPr lang="ko-KR" altLang="en-US" sz="1900" dirty="0"/>
               <a:t>회원 가입</a:t>
             </a:r>
             <a:r>
-              <a:rPr lang="en-US" altLang="ko-KR" sz="2400" dirty="0"/>
+              <a:rPr lang="en-US" altLang="ko-KR" sz="1900" dirty="0"/>
               <a:t> </a:t>
             </a:r>
             <a:r>
-              <a:rPr lang="ko-KR" altLang="en-US" sz="2400" dirty="0"/>
-              <a:t>기능 구현</a:t>
-            </a:r>
-            <a:endParaRPr lang="en-US" altLang="ko-KR" sz="2400" dirty="0"/>
-          </a:p>
-          <a:p>
-            <a:endParaRPr lang="en-US" altLang="ko-KR" sz="2400" dirty="0"/>
-          </a:p>
-          <a:p>
-            <a:r>
-              <a:rPr lang="en-US" altLang="ko-KR" sz="2400" dirty="0"/>
-              <a:t>3. </a:t>
-            </a:r>
-            <a:r>
-              <a:rPr lang="ko-KR" altLang="en-US" sz="2400" dirty="0"/>
-              <a:t>로그인 기능 구현</a:t>
-            </a:r>
-            <a:endParaRPr lang="en-US" altLang="ko-KR" sz="2400" dirty="0"/>
-          </a:p>
-          <a:p>
-            <a:endParaRPr lang="en-US" altLang="ko-KR" sz="2400" dirty="0"/>
-          </a:p>
-          <a:p>
-            <a:r>
-              <a:rPr lang="en-US" altLang="ko-KR" sz="2400" dirty="0"/>
-              <a:t>4. </a:t>
-            </a:r>
-            <a:r>
-              <a:rPr lang="ko-KR" altLang="en-US" sz="2400" dirty="0"/>
-              <a:t>회원정보 수정 기능 구현</a:t>
-            </a:r>
-            <a:endParaRPr lang="en-US" altLang="ko-KR" sz="2400" dirty="0"/>
-          </a:p>
-          <a:p>
-            <a:endParaRPr lang="en-US" altLang="ko-KR" sz="2400" dirty="0"/>
-          </a:p>
-          <a:p>
-            <a:r>
-              <a:rPr lang="en-US" altLang="ko-KR" sz="2400" dirty="0"/>
-              <a:t>5. </a:t>
-            </a:r>
-            <a:r>
-              <a:rPr lang="ko-KR" altLang="en-US" sz="2400" dirty="0"/>
-              <a:t>사용자 상호간 평가 및 후기 등록</a:t>
-            </a:r>
-            <a:r>
-              <a:rPr lang="en-US" altLang="ko-KR" sz="2400" dirty="0"/>
-              <a:t>, </a:t>
-            </a:r>
-            <a:r>
-              <a:rPr lang="ko-KR" altLang="en-US" sz="2400" dirty="0"/>
-              <a:t>신고 기능</a:t>
-            </a:r>
-            <a:endParaRPr lang="en-US" altLang="ko-KR" sz="2400" dirty="0"/>
-          </a:p>
-          <a:p>
-            <a:endParaRPr lang="en-US" altLang="ko-KR" sz="2400" dirty="0"/>
-          </a:p>
-          <a:p>
-            <a:r>
-              <a:rPr lang="en-US" altLang="ko-KR" sz="2400" dirty="0"/>
-              <a:t>6. </a:t>
-            </a:r>
-            <a:r>
-              <a:rPr lang="ko-KR" altLang="en-US" sz="2400" dirty="0"/>
-              <a:t>예약 등록 및 수락</a:t>
-            </a:r>
-            <a:r>
-              <a:rPr lang="en-US" altLang="ko-KR" sz="2400" dirty="0"/>
-              <a:t>, </a:t>
-            </a:r>
-            <a:r>
-              <a:rPr lang="ko-KR" altLang="en-US" sz="2400" dirty="0"/>
-              <a:t>거절 기능</a:t>
-            </a:r>
-            <a:endParaRPr lang="en-US" altLang="ko-KR" sz="2400" dirty="0"/>
-          </a:p>
-          <a:p>
-            <a:endParaRPr lang="en-US" altLang="ko-KR" sz="2400" dirty="0"/>
-          </a:p>
-          <a:p>
-            <a:r>
-              <a:rPr lang="en-US" altLang="ko-KR" sz="2400" dirty="0"/>
-              <a:t>7. </a:t>
-            </a:r>
-            <a:r>
-              <a:rPr lang="ko-KR" altLang="en-US" sz="2400" dirty="0"/>
-              <a:t>예약 기록 조회 기능 구현</a:t>
-            </a:r>
+              <a:rPr lang="ko-KR" altLang="en-US" sz="1900" dirty="0"/>
+              <a:t>기능을 구현한다</a:t>
+            </a:r>
+            <a:r>
+              <a:rPr lang="en-US" altLang="ko-KR" sz="1900" dirty="0"/>
+              <a:t>.</a:t>
+            </a:r>
+          </a:p>
+          <a:p>
+            <a:endParaRPr lang="en-US" altLang="ko-KR" sz="1900" dirty="0"/>
+          </a:p>
+          <a:p>
+            <a:r>
+              <a:rPr lang="en-US" altLang="ko-KR" sz="1900" dirty="0"/>
+              <a:t>FR3 </a:t>
+            </a:r>
+            <a:r>
+              <a:rPr lang="ko-KR" altLang="en-US" sz="1900" dirty="0"/>
+              <a:t>회원 가입된 정보에 한해서 </a:t>
+            </a:r>
+            <a:r>
+              <a:rPr lang="ko-KR" altLang="en-US" sz="1900" dirty="0" err="1"/>
+              <a:t>로그인을</a:t>
+            </a:r>
+            <a:r>
+              <a:rPr lang="ko-KR" altLang="en-US" sz="1900" dirty="0"/>
+              <a:t> 허용한다</a:t>
+            </a:r>
+            <a:endParaRPr lang="en-US" altLang="ko-KR" sz="1900" dirty="0"/>
+          </a:p>
+          <a:p>
+            <a:endParaRPr lang="en-US" altLang="ko-KR" sz="1900" dirty="0"/>
+          </a:p>
+          <a:p>
+            <a:r>
+              <a:rPr lang="en-US" altLang="ko-KR" sz="1900" dirty="0"/>
+              <a:t>FR4 </a:t>
+            </a:r>
+            <a:r>
+              <a:rPr lang="ko-KR" altLang="en-US" sz="1900" dirty="0"/>
+              <a:t>등록된 회원정보를 수정 가능하게 한다</a:t>
+            </a:r>
+            <a:endParaRPr lang="en-US" altLang="ko-KR" sz="1900" dirty="0"/>
+          </a:p>
+          <a:p>
+            <a:r>
+              <a:rPr lang="en-US" altLang="ko-KR" sz="1900" dirty="0"/>
+              <a:t>	FR4-1 id</a:t>
+            </a:r>
+            <a:r>
+              <a:rPr lang="ko-KR" altLang="en-US" sz="1900" dirty="0"/>
+              <a:t>는 </a:t>
+            </a:r>
+            <a:r>
+              <a:rPr lang="ko-KR" altLang="en-US" sz="1900" dirty="0" err="1"/>
+              <a:t>식별키이므로</a:t>
+            </a:r>
+            <a:r>
+              <a:rPr lang="ko-KR" altLang="en-US" sz="1900" dirty="0"/>
+              <a:t> 수정이 불가하다</a:t>
+            </a:r>
+            <a:endParaRPr lang="en-US" altLang="ko-KR" sz="1900" dirty="0"/>
+          </a:p>
+          <a:p>
+            <a:endParaRPr lang="en-US" altLang="ko-KR" sz="1900" dirty="0"/>
+          </a:p>
+          <a:p>
+            <a:r>
+              <a:rPr lang="en-US" altLang="ko-KR" sz="1900" dirty="0"/>
+              <a:t>FR5 </a:t>
+            </a:r>
+            <a:r>
+              <a:rPr lang="ko-KR" altLang="en-US" sz="1900" dirty="0"/>
+              <a:t>예약을 완료한 사용자들 간에 </a:t>
+            </a:r>
+            <a:r>
+              <a:rPr lang="ko-KR" altLang="en-US" sz="1900" dirty="0" err="1"/>
+              <a:t>별점을</a:t>
+            </a:r>
+            <a:r>
+              <a:rPr lang="ko-KR" altLang="en-US" sz="1900" dirty="0"/>
+              <a:t> 부과 </a:t>
+            </a:r>
+            <a:r>
+              <a:rPr lang="ko-KR" altLang="en-US" sz="1900" dirty="0" err="1"/>
+              <a:t>가능하게한다</a:t>
+            </a:r>
+            <a:r>
+              <a:rPr lang="en-US" altLang="ko-KR" sz="1900" dirty="0"/>
+              <a:t>.</a:t>
+            </a:r>
+          </a:p>
+          <a:p>
+            <a:r>
+              <a:rPr lang="en-US" altLang="ko-KR" sz="1900" dirty="0"/>
+              <a:t>	FR5-1</a:t>
+            </a:r>
+            <a:r>
+              <a:rPr lang="ko-KR" altLang="en-US" sz="1900" dirty="0"/>
+              <a:t> 한 사용자에 의한 중복 </a:t>
+            </a:r>
+            <a:r>
+              <a:rPr lang="ko-KR" altLang="en-US" sz="1900" dirty="0" err="1"/>
+              <a:t>별점</a:t>
+            </a:r>
+            <a:r>
+              <a:rPr lang="ko-KR" altLang="en-US" sz="1900" dirty="0"/>
+              <a:t> 누적을 방지한다</a:t>
+            </a:r>
+            <a:r>
+              <a:rPr lang="en-US" altLang="ko-KR" sz="1900" dirty="0"/>
+              <a:t>.</a:t>
+            </a:r>
+          </a:p>
+          <a:p>
+            <a:endParaRPr lang="en-US" altLang="ko-KR" sz="1900" dirty="0"/>
+          </a:p>
+          <a:p>
+            <a:r>
+              <a:rPr lang="en-US" altLang="ko-KR" sz="1900" dirty="0"/>
+              <a:t>FR6 </a:t>
+            </a:r>
+            <a:r>
+              <a:rPr lang="ko-KR" altLang="en-US" sz="1900" dirty="0"/>
+              <a:t>예약을 완료한 사용자들 간에 신고 기능을 부여한다</a:t>
+            </a:r>
+            <a:r>
+              <a:rPr lang="en-US" altLang="ko-KR" sz="1900" dirty="0"/>
+              <a:t>.</a:t>
+            </a:r>
+          </a:p>
+          <a:p>
+            <a:endParaRPr lang="en-US" altLang="ko-KR" sz="1900" dirty="0"/>
+          </a:p>
+          <a:p>
+            <a:r>
+              <a:rPr lang="en-US" altLang="ko-KR" sz="1900" dirty="0"/>
+              <a:t>FR6 </a:t>
+            </a:r>
+            <a:r>
+              <a:rPr lang="ko-KR" altLang="en-US" sz="1900" dirty="0"/>
+              <a:t>수요자는 예약을 등록할 수 있다</a:t>
+            </a:r>
+            <a:r>
+              <a:rPr lang="en-US" altLang="ko-KR" sz="1900" dirty="0"/>
+              <a:t>.</a:t>
+            </a:r>
+          </a:p>
+          <a:p>
+            <a:r>
+              <a:rPr lang="en-US" altLang="ko-KR" sz="1900" dirty="0"/>
+              <a:t>	FR6-1 </a:t>
+            </a:r>
+            <a:r>
+              <a:rPr lang="ko-KR" altLang="en-US" sz="1900" dirty="0"/>
+              <a:t>공급자는 수요자의 예약을 승인할 수 있다</a:t>
+            </a:r>
+            <a:r>
+              <a:rPr lang="en-US" altLang="ko-KR" sz="1900" dirty="0"/>
+              <a:t>.</a:t>
+            </a:r>
+          </a:p>
+          <a:p>
+            <a:r>
+              <a:rPr lang="en-US" altLang="ko-KR" sz="1900" dirty="0"/>
+              <a:t>	FR 6-2 </a:t>
+            </a:r>
+            <a:r>
+              <a:rPr lang="ko-KR" altLang="en-US" sz="1900" dirty="0"/>
+              <a:t>공급자는 수요자의 예약을 거절할 수 있다</a:t>
+            </a:r>
+            <a:r>
+              <a:rPr lang="en-US" altLang="ko-KR" sz="1900" dirty="0"/>
+              <a:t>.</a:t>
+            </a:r>
+          </a:p>
+          <a:p>
+            <a:r>
+              <a:rPr lang="en-US" altLang="ko-KR" sz="1900" dirty="0"/>
+              <a:t>FR7 </a:t>
+            </a:r>
+            <a:r>
+              <a:rPr lang="ko-KR" altLang="en-US" sz="1900" dirty="0"/>
+              <a:t>수요자와 공급자는 예약 기록을 조회할 수 있다</a:t>
+            </a:r>
+            <a:r>
+              <a:rPr lang="en-US" altLang="ko-KR" sz="1900" dirty="0"/>
+              <a:t>.</a:t>
+            </a:r>
+            <a:endParaRPr lang="ko-KR" altLang="en-US" sz="1900" dirty="0"/>
           </a:p>
         </p:txBody>
       </p:sp>
@@ -4298,7 +4401,7 @@
         </p:nvCxnSpPr>
         <p:spPr>
           <a:xfrm>
-            <a:off x="683568" y="-371068"/>
+            <a:off x="683568" y="-307238"/>
             <a:ext cx="0" cy="7472476"/>
           </a:xfrm>
           <a:prstGeom prst="line">
@@ -4482,8 +4585,8 @@
         </p:nvSpPr>
         <p:spPr>
           <a:xfrm>
-            <a:off x="1259632" y="1124744"/>
-            <a:ext cx="7632847" cy="4154984"/>
+            <a:off x="1151614" y="597726"/>
+            <a:ext cx="7596849" cy="6232475"/>
           </a:xfrm>
           <a:prstGeom prst="rect">
             <a:avLst/>
@@ -4496,146 +4599,343 @@
           </a:bodyPr>
           <a:lstStyle/>
           <a:p>
-            <a:pPr marL="457200" indent="-457200">
-              <a:buAutoNum type="arabicPeriod"/>
-            </a:pPr>
-            <a:r>
-              <a:rPr lang="en-US" altLang="ko-KR" sz="2400" dirty="0"/>
+            <a:r>
+              <a:rPr lang="en-US" altLang="ko-KR" sz="1900" dirty="0"/>
+              <a:t>1.</a:t>
+            </a:r>
+            <a:r>
+              <a:rPr lang="ko-KR" altLang="en-US" sz="1900" dirty="0"/>
+              <a:t> </a:t>
+            </a:r>
+            <a:r>
+              <a:rPr lang="en-US" altLang="ko-KR" sz="1900" dirty="0"/>
               <a:t>Secure requirements</a:t>
             </a:r>
           </a:p>
           <a:p>
-            <a:pPr marL="914400" lvl="1" indent="-457200">
-              <a:buAutoNum type="arabicPeriod"/>
-            </a:pPr>
-            <a:r>
-              <a:rPr lang="ko-KR" altLang="en-US" sz="2400" dirty="0"/>
-              <a:t>장기간 미사용시 자동 로그아웃</a:t>
-            </a:r>
-            <a:endParaRPr lang="en-US" altLang="ko-KR" sz="2400" dirty="0"/>
-          </a:p>
-          <a:p>
-            <a:pPr marL="914400" lvl="1" indent="-457200">
-              <a:buAutoNum type="arabicPeriod"/>
-            </a:pPr>
-            <a:r>
-              <a:rPr lang="ko-KR" altLang="en-US" sz="2400" dirty="0" err="1"/>
-              <a:t>회원가입시</a:t>
-            </a:r>
-            <a:r>
-              <a:rPr lang="ko-KR" altLang="en-US" sz="2400" dirty="0"/>
-              <a:t> 비밀번호 규칙 제한 및 확인</a:t>
-            </a:r>
-            <a:endParaRPr lang="en-US" altLang="ko-KR" sz="2400" dirty="0"/>
-          </a:p>
-          <a:p>
-            <a:endParaRPr lang="en-US" altLang="ko-KR" sz="2400" dirty="0"/>
-          </a:p>
-          <a:p>
-            <a:pPr marL="457200" indent="-457200">
-              <a:buAutoNum type="arabicPeriod"/>
-            </a:pPr>
-            <a:r>
-              <a:rPr lang="en-US" altLang="ko-KR" sz="2400" dirty="0"/>
+            <a:pPr lvl="1"/>
+            <a:r>
+              <a:rPr lang="en-US" altLang="ko-KR" sz="1900" dirty="0"/>
+              <a:t>SR1 </a:t>
+            </a:r>
+            <a:r>
+              <a:rPr lang="ko-KR" altLang="en-US" sz="1900" dirty="0"/>
+              <a:t>장기간 미사용 시 자동으로 세션에서 </a:t>
+            </a:r>
+            <a:r>
+              <a:rPr lang="ko-KR" altLang="en-US" sz="1900" dirty="0" err="1"/>
+              <a:t>로그아웃시킨다</a:t>
+            </a:r>
+            <a:r>
+              <a:rPr lang="en-US" altLang="ko-KR" sz="1900" dirty="0"/>
+              <a:t>.</a:t>
+            </a:r>
+          </a:p>
+          <a:p>
+            <a:pPr lvl="1"/>
+            <a:r>
+              <a:rPr lang="en-US" altLang="ko-KR" sz="1900" dirty="0"/>
+              <a:t>SR2 </a:t>
+            </a:r>
+            <a:r>
+              <a:rPr lang="ko-KR" altLang="en-US" sz="1900" dirty="0"/>
+              <a:t>회원 가입시 비밀번호 규칙을 제한하고 확인한다</a:t>
+            </a:r>
+            <a:r>
+              <a:rPr lang="en-US" altLang="ko-KR" sz="1900" dirty="0"/>
+              <a:t>.</a:t>
+            </a:r>
+          </a:p>
+          <a:p>
+            <a:pPr lvl="1"/>
+            <a:r>
+              <a:rPr lang="en-US" altLang="ko-KR" sz="1900" dirty="0"/>
+              <a:t>	SR2-1 </a:t>
+            </a:r>
+            <a:r>
+              <a:rPr lang="ko-KR" altLang="en-US" sz="1900" dirty="0"/>
+              <a:t>비밀번호의 길이는 </a:t>
+            </a:r>
+            <a:r>
+              <a:rPr lang="en-US" altLang="ko-KR" sz="1900" dirty="0"/>
+              <a:t>8</a:t>
+            </a:r>
+            <a:r>
+              <a:rPr lang="ko-KR" altLang="en-US" sz="1900" dirty="0"/>
+              <a:t>자에서 </a:t>
+            </a:r>
+            <a:r>
+              <a:rPr lang="en-US" altLang="ko-KR" sz="1900" dirty="0"/>
+              <a:t>15</a:t>
+            </a:r>
+            <a:r>
+              <a:rPr lang="ko-KR" altLang="en-US" sz="1900" dirty="0"/>
+              <a:t>자 사이로 </a:t>
+            </a:r>
+            <a:r>
+              <a:rPr lang="en-US" altLang="ko-KR" sz="1900" dirty="0"/>
+              <a:t>	</a:t>
+            </a:r>
+            <a:r>
+              <a:rPr lang="ko-KR" altLang="en-US" sz="1900" dirty="0"/>
+              <a:t>제한된다</a:t>
+            </a:r>
+            <a:r>
+              <a:rPr lang="en-US" altLang="ko-KR" sz="1900" dirty="0"/>
+              <a:t>.</a:t>
+            </a:r>
+          </a:p>
+          <a:p>
+            <a:r>
+              <a:rPr lang="en-US" altLang="ko-KR" sz="1900" dirty="0"/>
+              <a:t>	SR2-2</a:t>
+            </a:r>
+            <a:r>
+              <a:rPr lang="ko-KR" altLang="en-US" sz="1900" dirty="0"/>
+              <a:t> 비밀번호는 하나 이상의 숫자가 포함한</a:t>
+            </a:r>
+            <a:r>
+              <a:rPr lang="en-US" altLang="ko-KR" sz="1900" dirty="0"/>
+              <a:t>	</a:t>
+            </a:r>
+            <a:r>
+              <a:rPr lang="ko-KR" altLang="en-US" sz="1900" dirty="0"/>
+              <a:t>다</a:t>
+            </a:r>
+            <a:r>
+              <a:rPr lang="en-US" altLang="ko-KR" sz="1900" dirty="0"/>
+              <a:t>.</a:t>
+            </a:r>
+          </a:p>
+          <a:p>
+            <a:r>
+              <a:rPr lang="en-US" altLang="ko-KR" sz="1900" dirty="0"/>
+              <a:t>	SR2-3</a:t>
+            </a:r>
+            <a:r>
+              <a:rPr lang="ko-KR" altLang="en-US" sz="1900" dirty="0"/>
+              <a:t> 비밀번호는 하나 이상의 특수문자</a:t>
+            </a:r>
+            <a:r>
+              <a:rPr lang="en-US" altLang="ko-KR" sz="1900" dirty="0"/>
+              <a:t>(?</a:t>
+            </a:r>
+            <a:r>
+              <a:rPr lang="ko-KR" altLang="en-US" sz="1900" dirty="0"/>
+              <a:t> </a:t>
+            </a:r>
+            <a:r>
+              <a:rPr lang="en-US" altLang="ko-KR" sz="1900" dirty="0"/>
+              <a:t>!</a:t>
+            </a:r>
+            <a:r>
+              <a:rPr lang="ko-KR" altLang="en-US" sz="1900" dirty="0"/>
+              <a:t> </a:t>
+            </a:r>
+            <a:r>
+              <a:rPr lang="en-US" altLang="ko-KR" sz="1900" dirty="0"/>
+              <a:t>@)</a:t>
+            </a:r>
+            <a:r>
+              <a:rPr lang="ko-KR" altLang="en-US" sz="1900" dirty="0" err="1"/>
+              <a:t>를</a:t>
+            </a:r>
+            <a:r>
+              <a:rPr lang="ko-KR" altLang="en-US" sz="1900" dirty="0"/>
+              <a:t> 포함</a:t>
+            </a:r>
+            <a:r>
+              <a:rPr lang="en-US" altLang="ko-KR" sz="1900" dirty="0"/>
+              <a:t>	</a:t>
+            </a:r>
+            <a:r>
+              <a:rPr lang="ko-KR" altLang="en-US" sz="1900" dirty="0"/>
+              <a:t>한다</a:t>
+            </a:r>
+            <a:r>
+              <a:rPr lang="en-US" altLang="ko-KR" sz="1900" dirty="0"/>
+              <a:t>.</a:t>
+            </a:r>
+          </a:p>
+          <a:p>
+            <a:endParaRPr lang="en-US" altLang="ko-KR" sz="1900" dirty="0"/>
+          </a:p>
+          <a:p>
+            <a:r>
+              <a:rPr lang="en-US" altLang="ko-KR" sz="1900" dirty="0"/>
+              <a:t>2.</a:t>
+            </a:r>
+            <a:r>
+              <a:rPr lang="ko-KR" altLang="en-US" sz="1900" dirty="0"/>
+              <a:t> </a:t>
+            </a:r>
+            <a:r>
+              <a:rPr lang="en-US" altLang="ko-KR" sz="1900" dirty="0"/>
               <a:t>Portability</a:t>
             </a:r>
             <a:r>
-              <a:rPr lang="ko-KR" altLang="en-US" sz="2400" dirty="0"/>
+              <a:rPr lang="ko-KR" altLang="en-US" sz="1900" dirty="0"/>
               <a:t> </a:t>
             </a:r>
             <a:r>
-              <a:rPr lang="en-US" altLang="ko-KR" sz="2400" dirty="0"/>
+              <a:rPr lang="en-US" altLang="ko-KR" sz="1900" dirty="0"/>
               <a:t>requirements</a:t>
             </a:r>
           </a:p>
           <a:p>
-            <a:pPr marL="914400" lvl="1" indent="-457200">
-              <a:buAutoNum type="arabicPeriod"/>
-            </a:pPr>
-            <a:r>
-              <a:rPr lang="ko-KR" altLang="en-US" sz="2400" dirty="0"/>
+            <a:pPr lvl="1"/>
+            <a:r>
+              <a:rPr lang="en-US" altLang="ko-KR" sz="1900" dirty="0"/>
+              <a:t>PR1 </a:t>
+            </a:r>
+            <a:r>
+              <a:rPr lang="ko-KR" altLang="en-US" sz="1900" dirty="0"/>
               <a:t>세가지 이상의 </a:t>
             </a:r>
             <a:r>
-              <a:rPr lang="en-US" altLang="ko-KR" sz="2400" dirty="0"/>
+              <a:rPr lang="en-US" altLang="ko-KR" sz="1900" dirty="0"/>
               <a:t>Web browser</a:t>
             </a:r>
             <a:r>
-              <a:rPr lang="ko-KR" altLang="en-US" sz="2400" dirty="0"/>
+              <a:rPr lang="ko-KR" altLang="en-US" sz="1900" dirty="0"/>
               <a:t>에서 동작</a:t>
             </a:r>
-          </a:p>
-          <a:p>
-            <a:pPr marL="457200" indent="-457200">
-              <a:buAutoNum type="arabicPeriod"/>
-            </a:pPr>
-            <a:endParaRPr lang="en-US" altLang="ko-KR" sz="2400" dirty="0"/>
-          </a:p>
-          <a:p>
-            <a:pPr marL="457200" indent="-457200">
-              <a:buAutoNum type="arabicPeriod"/>
-            </a:pPr>
-            <a:r>
-              <a:rPr lang="en-US" altLang="ko-KR" sz="2400" dirty="0"/>
+            <a:endParaRPr lang="en-US" altLang="ko-KR" sz="1900" dirty="0"/>
+          </a:p>
+          <a:p>
+            <a:pPr lvl="1"/>
+            <a:endParaRPr lang="ko-KR" altLang="en-US" sz="1900" dirty="0"/>
+          </a:p>
+          <a:p>
+            <a:r>
+              <a:rPr lang="en-US" altLang="ko-KR" sz="1900" dirty="0"/>
+              <a:t>3.</a:t>
+            </a:r>
+            <a:r>
+              <a:rPr lang="ko-KR" altLang="en-US" sz="1900" dirty="0"/>
+              <a:t> </a:t>
+            </a:r>
+            <a:r>
+              <a:rPr lang="en-US" altLang="ko-KR" sz="1900" dirty="0"/>
               <a:t>Implements requirements</a:t>
             </a:r>
           </a:p>
           <a:p>
-            <a:pPr marL="914400" lvl="1" indent="-457200">
-              <a:buAutoNum type="arabicPeriod"/>
-            </a:pPr>
-            <a:r>
-              <a:rPr lang="en-US" altLang="ko-KR" sz="2400" dirty="0"/>
-              <a:t>JSP</a:t>
-            </a:r>
-            <a:r>
-              <a:rPr lang="ko-KR" altLang="en-US" sz="2400" dirty="0"/>
-              <a:t>를 이용한 </a:t>
-            </a:r>
-            <a:r>
-              <a:rPr lang="en-US" altLang="ko-KR" sz="2400" dirty="0"/>
+            <a:pPr lvl="1"/>
+            <a:r>
+              <a:rPr lang="en-US" altLang="ko-KR" sz="1900" dirty="0"/>
+              <a:t>IR1 JSP</a:t>
+            </a:r>
+            <a:r>
+              <a:rPr lang="ko-KR" altLang="en-US" sz="1900" dirty="0" err="1"/>
+              <a:t>를</a:t>
+            </a:r>
+            <a:r>
+              <a:rPr lang="ko-KR" altLang="en-US" sz="1900" dirty="0"/>
+              <a:t> </a:t>
+            </a:r>
+            <a:r>
+              <a:rPr lang="ko-KR" altLang="en-US" sz="1900" dirty="0" err="1"/>
+              <a:t>기반으로한</a:t>
+            </a:r>
+            <a:r>
+              <a:rPr lang="ko-KR" altLang="en-US" sz="1900" dirty="0"/>
+              <a:t> </a:t>
+            </a:r>
+            <a:r>
+              <a:rPr lang="en-US" altLang="ko-KR" sz="1900" dirty="0"/>
               <a:t>Web Application</a:t>
             </a:r>
-          </a:p>
-          <a:p>
-            <a:pPr marL="914400" lvl="1" indent="-457200">
-              <a:buAutoNum type="arabicPeriod"/>
-            </a:pPr>
-            <a:r>
-              <a:rPr lang="en-US" altLang="ko-KR" sz="2400" dirty="0" err="1"/>
-              <a:t>Mysql</a:t>
-            </a:r>
-            <a:r>
-              <a:rPr lang="en-US" altLang="ko-KR" sz="2400" dirty="0"/>
+            <a:r>
+              <a:rPr lang="ko-KR" altLang="en-US" sz="1900" dirty="0"/>
+              <a:t>을 제작한다</a:t>
+            </a:r>
+            <a:r>
+              <a:rPr lang="en-US" altLang="ko-KR" sz="1900" dirty="0"/>
+              <a:t>.</a:t>
+            </a:r>
+          </a:p>
+          <a:p>
+            <a:pPr lvl="1"/>
+            <a:r>
+              <a:rPr lang="en-US" altLang="ko-KR" sz="1900" dirty="0"/>
+              <a:t>IR2 DB</a:t>
+            </a:r>
+            <a:r>
+              <a:rPr lang="ko-KR" altLang="en-US" sz="1900" dirty="0"/>
+              <a:t>시스템을 통해서 데이터를 관리한다</a:t>
+            </a:r>
+            <a:r>
+              <a:rPr lang="en-US" altLang="ko-KR" sz="1900" dirty="0"/>
+              <a:t>.</a:t>
+            </a:r>
+          </a:p>
+          <a:p>
+            <a:pPr lvl="1"/>
+            <a:r>
+              <a:rPr lang="en-US" altLang="ko-KR" sz="1900" dirty="0"/>
+              <a:t>	IR2-1 DB</a:t>
+            </a:r>
+            <a:r>
+              <a:rPr lang="ko-KR" altLang="en-US" sz="1900" dirty="0"/>
+              <a:t>는 </a:t>
+            </a:r>
+            <a:r>
+              <a:rPr lang="en-US" altLang="ko-KR" sz="1900" dirty="0" err="1"/>
+              <a:t>mysql</a:t>
+            </a:r>
+            <a:r>
+              <a:rPr lang="ko-KR" altLang="en-US" sz="1900" dirty="0"/>
+              <a:t>을 사용한다</a:t>
+            </a:r>
+            <a:r>
+              <a:rPr lang="en-US" altLang="ko-KR" sz="1900" dirty="0"/>
+              <a:t>.</a:t>
+            </a:r>
+          </a:p>
+          <a:p>
+            <a:pPr lvl="1"/>
+            <a:r>
+              <a:rPr lang="en-US" altLang="ko-KR" sz="1900" dirty="0"/>
+              <a:t>IR3 Prototype </a:t>
+            </a:r>
+            <a:r>
+              <a:rPr lang="ko-KR" altLang="en-US" sz="1900" dirty="0"/>
+              <a:t>방식을 사용하여 기한 내에 완성되는 최종 모델을 제출한다</a:t>
+            </a:r>
+            <a:r>
+              <a:rPr lang="en-US" altLang="ko-KR" sz="1900" dirty="0"/>
+              <a:t>.</a:t>
+            </a:r>
+          </a:p>
+          <a:p>
+            <a:endParaRPr lang="en-US" altLang="ko-KR" sz="1900" dirty="0"/>
+          </a:p>
+          <a:p>
+            <a:r>
+              <a:rPr lang="en-US" altLang="ko-KR" sz="1900" dirty="0"/>
+              <a:t>4.</a:t>
+            </a:r>
+            <a:r>
+              <a:rPr lang="ko-KR" altLang="en-US" sz="1900" dirty="0"/>
               <a:t> </a:t>
             </a:r>
             <a:r>
-              <a:rPr lang="ko-KR" altLang="en-US" sz="2400" dirty="0"/>
-              <a:t>을 이용한 </a:t>
-            </a:r>
-            <a:r>
-              <a:rPr lang="en-US" altLang="ko-KR" sz="2400" dirty="0"/>
-              <a:t>DB </a:t>
-            </a:r>
-            <a:r>
-              <a:rPr lang="ko-KR" altLang="en-US" sz="2400" dirty="0"/>
-              <a:t>시스템</a:t>
-            </a:r>
-            <a:endParaRPr lang="en-US" altLang="ko-KR" sz="2400" dirty="0"/>
-          </a:p>
-          <a:p>
-            <a:pPr marL="914400" lvl="1" indent="-457200">
-              <a:buAutoNum type="arabicPeriod"/>
-            </a:pPr>
-            <a:r>
-              <a:rPr lang="en-US" altLang="ko-KR" sz="2400" dirty="0"/>
-              <a:t>Prototype </a:t>
-            </a:r>
-            <a:r>
-              <a:rPr lang="ko-KR" altLang="en-US" sz="2400" dirty="0"/>
-              <a:t>방식을 사용</a:t>
-            </a:r>
-            <a:endParaRPr lang="en-US" altLang="ko-KR" sz="2400" dirty="0"/>
+              <a:rPr lang="en-US" altLang="ko-KR" sz="1900" dirty="0"/>
+              <a:t>Safety requirements </a:t>
+            </a:r>
+          </a:p>
+          <a:p>
+            <a:pPr lvl="1"/>
+            <a:r>
+              <a:rPr lang="ko-KR" altLang="en-US" sz="1900" dirty="0"/>
+              <a:t>해당사항 없음</a:t>
+            </a:r>
+            <a:endParaRPr lang="en-US" altLang="ko-KR" sz="1900" dirty="0"/>
+          </a:p>
+          <a:p>
+            <a:pPr lvl="1"/>
+            <a:endParaRPr lang="en-US" altLang="ko-KR" sz="1900" dirty="0"/>
           </a:p>
         </p:txBody>
       </p:sp>
@@ -4654,7 +4954,7 @@
         <p:spPr>
           <a:xfrm>
             <a:off x="1043607" y="138482"/>
-            <a:ext cx="3672407" cy="369332"/>
+            <a:ext cx="5256581" cy="369332"/>
           </a:xfrm>
           <a:prstGeom prst="rect">
             <a:avLst/>
@@ -4667,7 +4967,6 @@
           </a:bodyPr>
           <a:lstStyle/>
           <a:p>
-            <a:pPr algn="ctr"/>
             <a:r>
               <a:rPr lang="ko-KR" altLang="en-US" dirty="0">
                 <a:ln>
@@ -4685,20 +4984,23 @@
               </a:rPr>
               <a:t>비기능적 요구사항</a:t>
             </a:r>
-            <a:endParaRPr lang="en-US" altLang="ko-KR" dirty="0">
-              <a:ln>
+            <a:r>
+              <a:rPr lang="en-US" altLang="ko-KR" dirty="0">
+                <a:ln>
+                  <a:solidFill>
+                    <a:schemeClr val="tx1">
+                      <a:alpha val="30000"/>
+                    </a:schemeClr>
+                  </a:solidFill>
+                </a:ln>
                 <a:solidFill>
-                  <a:schemeClr val="tx1">
-                    <a:alpha val="30000"/>
-                  </a:schemeClr>
+                  <a:srgbClr val="272123"/>
                 </a:solidFill>
-              </a:ln>
-              <a:solidFill>
-                <a:srgbClr val="272123"/>
-              </a:solidFill>
-              <a:latin typeface="Yoon 윤고딕 520_TT" pitchFamily="18" charset="-127"/>
-              <a:ea typeface="Yoon 윤고딕 520_TT" pitchFamily="18" charset="-127"/>
-            </a:endParaRPr>
+                <a:latin typeface="Yoon 윤고딕 520_TT" pitchFamily="18" charset="-127"/>
+                <a:ea typeface="Yoon 윤고딕 520_TT" pitchFamily="18" charset="-127"/>
+              </a:rPr>
+              <a:t> (non-Functional requirements)</a:t>
+            </a:r>
           </a:p>
         </p:txBody>
       </p:sp>
@@ -6941,6 +7243,1724 @@
     <p:bg>
       <p:bgPr>
         <a:solidFill>
+          <a:schemeClr val="tx1">
+            <a:lumMod val="95000"/>
+            <a:lumOff val="5000"/>
+          </a:schemeClr>
+        </a:solidFill>
+        <a:effectLst/>
+      </p:bgPr>
+    </p:bg>
+    <p:spTree>
+      <p:nvGrpSpPr>
+        <p:cNvPr id="1" name=""/>
+        <p:cNvGrpSpPr/>
+        <p:nvPr/>
+      </p:nvGrpSpPr>
+      <p:grpSpPr>
+        <a:xfrm>
+          <a:off x="0" y="0"/>
+          <a:ext cx="0" cy="0"/>
+          <a:chOff x="0" y="0"/>
+          <a:chExt cx="0" cy="0"/>
+        </a:xfrm>
+      </p:grpSpPr>
+      <p:grpSp>
+        <p:nvGrpSpPr>
+          <p:cNvPr id="2" name="그룹 1"/>
+          <p:cNvGrpSpPr/>
+          <p:nvPr/>
+        </p:nvGrpSpPr>
+        <p:grpSpPr>
+          <a:xfrm>
+            <a:off x="3203848" y="3005599"/>
+            <a:ext cx="2664296" cy="846802"/>
+            <a:chOff x="3720990" y="3152001"/>
+            <a:chExt cx="1710368" cy="846802"/>
+          </a:xfrm>
+        </p:grpSpPr>
+        <p:sp>
+          <p:nvSpPr>
+            <p:cNvPr id="4" name="TextBox 3"/>
+            <p:cNvSpPr txBox="1"/>
+            <p:nvPr/>
+          </p:nvSpPr>
+          <p:spPr>
+            <a:xfrm>
+              <a:off x="3720990" y="3152001"/>
+              <a:ext cx="1710368" cy="553998"/>
+            </a:xfrm>
+            <a:prstGeom prst="rect">
+              <a:avLst/>
+            </a:prstGeom>
+            <a:noFill/>
+          </p:spPr>
+          <p:txBody>
+            <a:bodyPr wrap="square" rtlCol="0">
+              <a:spAutoFit/>
+            </a:bodyPr>
+            <a:lstStyle/>
+            <a:p>
+              <a:pPr algn="ctr"/>
+              <a:r>
+                <a:rPr lang="en-US" altLang="ko-KR" sz="3000" b="1" dirty="0">
+                  <a:ln>
+                    <a:solidFill>
+                      <a:schemeClr val="bg1">
+                        <a:lumMod val="85000"/>
+                        <a:alpha val="30000"/>
+                      </a:schemeClr>
+                    </a:solidFill>
+                  </a:ln>
+                  <a:solidFill>
+                    <a:schemeClr val="bg1">
+                      <a:lumMod val="95000"/>
+                    </a:schemeClr>
+                  </a:solidFill>
+                  <a:latin typeface="+mj-ea"/>
+                  <a:ea typeface="+mj-ea"/>
+                </a:rPr>
+                <a:t>DB structure</a:t>
+              </a:r>
+            </a:p>
+          </p:txBody>
+        </p:sp>
+        <p:sp>
+          <p:nvSpPr>
+            <p:cNvPr id="6" name="TextBox 5"/>
+            <p:cNvSpPr txBox="1"/>
+            <p:nvPr/>
+          </p:nvSpPr>
+          <p:spPr>
+            <a:xfrm>
+              <a:off x="3720990" y="3629471"/>
+              <a:ext cx="1710368" cy="369332"/>
+            </a:xfrm>
+            <a:prstGeom prst="rect">
+              <a:avLst/>
+            </a:prstGeom>
+            <a:noFill/>
+          </p:spPr>
+          <p:txBody>
+            <a:bodyPr wrap="square" rtlCol="0">
+              <a:spAutoFit/>
+            </a:bodyPr>
+            <a:lstStyle/>
+            <a:p>
+              <a:pPr algn="ctr"/>
+              <a:r>
+                <a:rPr lang="en-US" altLang="ko-KR" b="1" dirty="0">
+                  <a:ln>
+                    <a:solidFill>
+                      <a:schemeClr val="bg1">
+                        <a:lumMod val="85000"/>
+                        <a:alpha val="30000"/>
+                      </a:schemeClr>
+                    </a:solidFill>
+                  </a:ln>
+                  <a:solidFill>
+                    <a:schemeClr val="bg1">
+                      <a:lumMod val="95000"/>
+                    </a:schemeClr>
+                  </a:solidFill>
+                  <a:latin typeface="Yoon 윤고딕 520_TT" pitchFamily="18" charset="-127"/>
+                  <a:ea typeface="Yoon 윤고딕 520_TT" pitchFamily="18" charset="-127"/>
+                </a:rPr>
+                <a:t>-</a:t>
+              </a:r>
+              <a:r>
+                <a:rPr lang="en-US" altLang="ko-KR" b="1" dirty="0" err="1">
+                  <a:ln>
+                    <a:solidFill>
+                      <a:schemeClr val="bg1">
+                        <a:lumMod val="85000"/>
+                        <a:alpha val="30000"/>
+                      </a:schemeClr>
+                    </a:solidFill>
+                  </a:ln>
+                  <a:solidFill>
+                    <a:schemeClr val="bg1">
+                      <a:lumMod val="95000"/>
+                    </a:schemeClr>
+                  </a:solidFill>
+                  <a:latin typeface="Yoon 윤고딕 520_TT" pitchFamily="18" charset="-127"/>
+                  <a:ea typeface="Yoon 윤고딕 520_TT" pitchFamily="18" charset="-127"/>
+                </a:rPr>
+                <a:t>mysql</a:t>
+              </a:r>
+              <a:r>
+                <a:rPr lang="en-US" altLang="ko-KR" b="1" dirty="0">
+                  <a:ln>
+                    <a:solidFill>
+                      <a:schemeClr val="bg1">
+                        <a:lumMod val="85000"/>
+                        <a:alpha val="30000"/>
+                      </a:schemeClr>
+                    </a:solidFill>
+                  </a:ln>
+                  <a:solidFill>
+                    <a:schemeClr val="bg1">
+                      <a:lumMod val="95000"/>
+                    </a:schemeClr>
+                  </a:solidFill>
+                  <a:latin typeface="Yoon 윤고딕 520_TT" pitchFamily="18" charset="-127"/>
+                  <a:ea typeface="Yoon 윤고딕 520_TT" pitchFamily="18" charset="-127"/>
+                </a:rPr>
+                <a:t>-</a:t>
+              </a:r>
+            </a:p>
+          </p:txBody>
+        </p:sp>
+      </p:grpSp>
+    </p:spTree>
+    <p:extLst>
+      <p:ext uri="{BB962C8B-B14F-4D97-AF65-F5344CB8AC3E}">
+        <p14:creationId xmlns:p14="http://schemas.microsoft.com/office/powerpoint/2010/main" val="2891453877"/>
+      </p:ext>
+    </p:extLst>
+  </p:cSld>
+  <p:clrMapOvr>
+    <a:masterClrMapping/>
+  </p:clrMapOvr>
+  <mc:AlternateContent xmlns:mc="http://schemas.openxmlformats.org/markup-compatibility/2006" xmlns:p14="http://schemas.microsoft.com/office/powerpoint/2010/main">
+    <mc:Choice Requires="p14">
+      <p:transition spd="med" p14:dur="700">
+        <p:fade/>
+      </p:transition>
+    </mc:Choice>
+    <mc:Fallback xmlns="">
+      <p:transition spd="med">
+        <p:fade/>
+      </p:transition>
+    </mc:Fallback>
+  </mc:AlternateContent>
+</p:sld>
+</file>
+
+<file path=ppt/slides/slide16.xml><?xml version="1.0" encoding="utf-8"?>
+<p:sld xmlns:a="http://schemas.openxmlformats.org/drawingml/2006/main" xmlns:r="http://schemas.openxmlformats.org/officeDocument/2006/relationships" xmlns:p="http://schemas.openxmlformats.org/presentationml/2006/main">
+  <p:cSld>
+    <p:spTree>
+      <p:nvGrpSpPr>
+        <p:cNvPr id="1" name=""/>
+        <p:cNvGrpSpPr/>
+        <p:nvPr/>
+      </p:nvGrpSpPr>
+      <p:grpSpPr>
+        <a:xfrm>
+          <a:off x="0" y="0"/>
+          <a:ext cx="0" cy="0"/>
+          <a:chOff x="0" y="0"/>
+          <a:chExt cx="0" cy="0"/>
+        </a:xfrm>
+      </p:grpSpPr>
+      <p:cxnSp>
+        <p:nvCxnSpPr>
+          <p:cNvPr id="4" name="직선 연결선 3"/>
+          <p:cNvCxnSpPr/>
+          <p:nvPr/>
+        </p:nvCxnSpPr>
+        <p:spPr>
+          <a:xfrm>
+            <a:off x="683568" y="-371068"/>
+            <a:ext cx="0" cy="7472476"/>
+          </a:xfrm>
+          <a:prstGeom prst="line">
+            <a:avLst/>
+          </a:prstGeom>
+          <a:ln>
+            <a:solidFill>
+              <a:schemeClr val="bg1">
+                <a:lumMod val="65000"/>
+                <a:alpha val="50000"/>
+              </a:schemeClr>
+            </a:solidFill>
+          </a:ln>
+        </p:spPr>
+        <p:style>
+          <a:lnRef idx="1">
+            <a:schemeClr val="accent1"/>
+          </a:lnRef>
+          <a:fillRef idx="0">
+            <a:schemeClr val="accent1"/>
+          </a:fillRef>
+          <a:effectRef idx="0">
+            <a:schemeClr val="accent1"/>
+          </a:effectRef>
+          <a:fontRef idx="minor">
+            <a:schemeClr val="tx1"/>
+          </a:fontRef>
+        </p:style>
+      </p:cxnSp>
+      <p:cxnSp>
+        <p:nvCxnSpPr>
+          <p:cNvPr id="5" name="직선 연결선 4"/>
+          <p:cNvCxnSpPr/>
+          <p:nvPr/>
+        </p:nvCxnSpPr>
+        <p:spPr>
+          <a:xfrm flipH="1">
+            <a:off x="692540" y="548680"/>
+            <a:ext cx="9295796" cy="0"/>
+          </a:xfrm>
+          <a:prstGeom prst="line">
+            <a:avLst/>
+          </a:prstGeom>
+          <a:ln>
+            <a:solidFill>
+              <a:schemeClr val="bg1">
+                <a:lumMod val="65000"/>
+                <a:alpha val="50000"/>
+              </a:schemeClr>
+            </a:solidFill>
+          </a:ln>
+        </p:spPr>
+        <p:style>
+          <a:lnRef idx="1">
+            <a:schemeClr val="accent1"/>
+          </a:lnRef>
+          <a:fillRef idx="0">
+            <a:schemeClr val="accent1"/>
+          </a:fillRef>
+          <a:effectRef idx="0">
+            <a:schemeClr val="accent1"/>
+          </a:effectRef>
+          <a:fontRef idx="minor">
+            <a:schemeClr val="tx1"/>
+          </a:fontRef>
+        </p:style>
+      </p:cxnSp>
+      <p:sp>
+        <p:nvSpPr>
+          <p:cNvPr id="6" name="TextBox 5"/>
+          <p:cNvSpPr txBox="1"/>
+          <p:nvPr/>
+        </p:nvSpPr>
+        <p:spPr>
+          <a:xfrm>
+            <a:off x="1043607" y="138482"/>
+            <a:ext cx="2448269" cy="369332"/>
+          </a:xfrm>
+          <a:prstGeom prst="rect">
+            <a:avLst/>
+          </a:prstGeom>
+          <a:noFill/>
+        </p:spPr>
+        <p:txBody>
+          <a:bodyPr wrap="square" rtlCol="0">
+            <a:spAutoFit/>
+          </a:bodyPr>
+          <a:lstStyle/>
+          <a:p>
+            <a:pPr algn="ctr"/>
+            <a:r>
+              <a:rPr lang="en-US" altLang="ko-KR" dirty="0">
+                <a:ln>
+                  <a:solidFill>
+                    <a:schemeClr val="tx1">
+                      <a:alpha val="30000"/>
+                    </a:schemeClr>
+                  </a:solidFill>
+                </a:ln>
+                <a:solidFill>
+                  <a:srgbClr val="272123"/>
+                </a:solidFill>
+                <a:latin typeface="Yoon 윤고딕 520_TT" pitchFamily="18" charset="-127"/>
+                <a:ea typeface="Yoon 윤고딕 520_TT" pitchFamily="18" charset="-127"/>
+              </a:rPr>
+              <a:t>Database </a:t>
+            </a:r>
+            <a:r>
+              <a:rPr lang="ko-KR" altLang="en-US" dirty="0">
+                <a:ln>
+                  <a:solidFill>
+                    <a:schemeClr val="tx1">
+                      <a:alpha val="30000"/>
+                    </a:schemeClr>
+                  </a:solidFill>
+                </a:ln>
+                <a:solidFill>
+                  <a:srgbClr val="272123"/>
+                </a:solidFill>
+                <a:latin typeface="Yoon 윤고딕 520_TT" pitchFamily="18" charset="-127"/>
+                <a:ea typeface="Yoon 윤고딕 520_TT" pitchFamily="18" charset="-127"/>
+              </a:rPr>
+              <a:t>구조</a:t>
+            </a:r>
+            <a:endParaRPr lang="en-US" altLang="ko-KR" dirty="0">
+              <a:ln>
+                <a:solidFill>
+                  <a:schemeClr val="tx1">
+                    <a:alpha val="30000"/>
+                  </a:schemeClr>
+                </a:solidFill>
+              </a:ln>
+              <a:solidFill>
+                <a:srgbClr val="272123"/>
+              </a:solidFill>
+              <a:latin typeface="Yoon 윤고딕 520_TT" pitchFamily="18" charset="-127"/>
+              <a:ea typeface="Yoon 윤고딕 520_TT" pitchFamily="18" charset="-127"/>
+            </a:endParaRPr>
+          </a:p>
+        </p:txBody>
+      </p:sp>
+      <p:sp>
+        <p:nvSpPr>
+          <p:cNvPr id="10" name="직각 삼각형 9"/>
+          <p:cNvSpPr/>
+          <p:nvPr/>
+        </p:nvSpPr>
+        <p:spPr>
+          <a:xfrm rot="5400000">
+            <a:off x="718128" y="1210699"/>
+            <a:ext cx="81142" cy="108000"/>
+          </a:xfrm>
+          <a:prstGeom prst="rtTriangle">
+            <a:avLst/>
+          </a:prstGeom>
+          <a:solidFill>
+            <a:schemeClr val="tx1"/>
+          </a:solidFill>
+          <a:ln>
+            <a:solidFill>
+              <a:schemeClr val="tx1"/>
+            </a:solidFill>
+          </a:ln>
+        </p:spPr>
+        <p:style>
+          <a:lnRef idx="2">
+            <a:schemeClr val="accent1">
+              <a:shade val="50000"/>
+            </a:schemeClr>
+          </a:lnRef>
+          <a:fillRef idx="1">
+            <a:schemeClr val="accent1"/>
+          </a:fillRef>
+          <a:effectRef idx="0">
+            <a:schemeClr val="accent1"/>
+          </a:effectRef>
+          <a:fontRef idx="minor">
+            <a:schemeClr val="lt1"/>
+          </a:fontRef>
+        </p:style>
+        <p:txBody>
+          <a:bodyPr rtlCol="0" anchor="ctr"/>
+          <a:lstStyle/>
+          <a:p>
+            <a:pPr algn="ctr"/>
+            <a:endParaRPr lang="ko-KR" altLang="en-US"/>
+          </a:p>
+        </p:txBody>
+      </p:sp>
+      <p:sp>
+        <p:nvSpPr>
+          <p:cNvPr id="8" name="직사각형 8">
+            <a:extLst>
+              <a:ext uri="{FF2B5EF4-FFF2-40B4-BE49-F238E27FC236}">
+                <a16:creationId xmlns:a16="http://schemas.microsoft.com/office/drawing/2014/main" id="{CDFCC83D-10B8-FE4D-8CF2-6C27366D7602}"/>
+              </a:ext>
+            </a:extLst>
+          </p:cNvPr>
+          <p:cNvSpPr/>
+          <p:nvPr/>
+        </p:nvSpPr>
+        <p:spPr>
+          <a:xfrm>
+            <a:off x="-9283" y="877188"/>
+            <a:ext cx="834325" cy="343501"/>
+          </a:xfrm>
+          <a:prstGeom prst="rect">
+            <a:avLst/>
+          </a:prstGeom>
+          <a:solidFill>
+            <a:srgbClr val="272123"/>
+          </a:solidFill>
+          <a:ln>
+            <a:noFill/>
+          </a:ln>
+        </p:spPr>
+        <p:style>
+          <a:lnRef idx="2">
+            <a:schemeClr val="accent1">
+              <a:shade val="50000"/>
+            </a:schemeClr>
+          </a:lnRef>
+          <a:fillRef idx="1">
+            <a:schemeClr val="accent1"/>
+          </a:fillRef>
+          <a:effectRef idx="0">
+            <a:schemeClr val="accent1"/>
+          </a:effectRef>
+          <a:fontRef idx="minor">
+            <a:schemeClr val="lt1"/>
+          </a:fontRef>
+        </p:style>
+        <p:txBody>
+          <a:bodyPr rtlCol="0" anchor="ctr"/>
+          <a:lstStyle/>
+          <a:p>
+            <a:pPr algn="ctr"/>
+            <a:endParaRPr lang="ko-KR" altLang="en-US"/>
+          </a:p>
+        </p:txBody>
+      </p:sp>
+      <p:sp>
+        <p:nvSpPr>
+          <p:cNvPr id="11" name="직각 삼각형 9">
+            <a:extLst>
+              <a:ext uri="{FF2B5EF4-FFF2-40B4-BE49-F238E27FC236}">
+                <a16:creationId xmlns:a16="http://schemas.microsoft.com/office/drawing/2014/main" id="{7E7119FA-48E9-4A41-9305-EC9B5B2B52C1}"/>
+              </a:ext>
+            </a:extLst>
+          </p:cNvPr>
+          <p:cNvSpPr/>
+          <p:nvPr/>
+        </p:nvSpPr>
+        <p:spPr>
+          <a:xfrm rot="5400000">
+            <a:off x="702755" y="1207262"/>
+            <a:ext cx="81142" cy="108000"/>
+          </a:xfrm>
+          <a:prstGeom prst="rtTriangle">
+            <a:avLst/>
+          </a:prstGeom>
+          <a:solidFill>
+            <a:schemeClr val="tx1"/>
+          </a:solidFill>
+          <a:ln>
+            <a:solidFill>
+              <a:schemeClr val="tx1"/>
+            </a:solidFill>
+          </a:ln>
+        </p:spPr>
+        <p:style>
+          <a:lnRef idx="2">
+            <a:schemeClr val="accent1">
+              <a:shade val="50000"/>
+            </a:schemeClr>
+          </a:lnRef>
+          <a:fillRef idx="1">
+            <a:schemeClr val="accent1"/>
+          </a:fillRef>
+          <a:effectRef idx="0">
+            <a:schemeClr val="accent1"/>
+          </a:effectRef>
+          <a:fontRef idx="minor">
+            <a:schemeClr val="lt1"/>
+          </a:fontRef>
+        </p:style>
+        <p:txBody>
+          <a:bodyPr rtlCol="0" anchor="ctr"/>
+          <a:lstStyle/>
+          <a:p>
+            <a:pPr algn="ctr"/>
+            <a:endParaRPr lang="ko-KR" altLang="en-US"/>
+          </a:p>
+        </p:txBody>
+      </p:sp>
+      <p:sp>
+        <p:nvSpPr>
+          <p:cNvPr id="12" name="TextBox 11">
+            <a:extLst>
+              <a:ext uri="{FF2B5EF4-FFF2-40B4-BE49-F238E27FC236}">
+                <a16:creationId xmlns:a16="http://schemas.microsoft.com/office/drawing/2014/main" id="{4C794F7C-7953-3341-8DE4-D405DDD27943}"/>
+              </a:ext>
+            </a:extLst>
+          </p:cNvPr>
+          <p:cNvSpPr txBox="1"/>
+          <p:nvPr/>
+        </p:nvSpPr>
+        <p:spPr>
+          <a:xfrm>
+            <a:off x="123549" y="882386"/>
+            <a:ext cx="541363" cy="338554"/>
+          </a:xfrm>
+          <a:prstGeom prst="rect">
+            <a:avLst/>
+          </a:prstGeom>
+          <a:noFill/>
+        </p:spPr>
+        <p:txBody>
+          <a:bodyPr wrap="square" rtlCol="0">
+            <a:spAutoFit/>
+          </a:bodyPr>
+          <a:lstStyle/>
+          <a:p>
+            <a:r>
+              <a:rPr lang="en-US" altLang="ko-KR" sz="1600" b="1" dirty="0">
+                <a:ln>
+                  <a:solidFill>
+                    <a:schemeClr val="bg1">
+                      <a:lumMod val="75000"/>
+                      <a:alpha val="30000"/>
+                    </a:schemeClr>
+                  </a:solidFill>
+                </a:ln>
+                <a:solidFill>
+                  <a:schemeClr val="bg1">
+                    <a:lumMod val="75000"/>
+                  </a:schemeClr>
+                </a:solidFill>
+                <a:latin typeface="Yoon 윤고딕 520_TT" pitchFamily="18" charset="-127"/>
+                <a:ea typeface="Yoon 윤고딕 520_TT" pitchFamily="18" charset="-127"/>
+              </a:rPr>
+              <a:t>01</a:t>
+            </a:r>
+          </a:p>
+        </p:txBody>
+      </p:sp>
+      <p:sp>
+        <p:nvSpPr>
+          <p:cNvPr id="13" name="TextBox 12">
+            <a:extLst>
+              <a:ext uri="{FF2B5EF4-FFF2-40B4-BE49-F238E27FC236}">
+                <a16:creationId xmlns:a16="http://schemas.microsoft.com/office/drawing/2014/main" id="{545162E6-2771-1B49-8AA3-490105243905}"/>
+              </a:ext>
+            </a:extLst>
+          </p:cNvPr>
+          <p:cNvSpPr txBox="1"/>
+          <p:nvPr/>
+        </p:nvSpPr>
+        <p:spPr>
+          <a:xfrm>
+            <a:off x="107504" y="1340768"/>
+            <a:ext cx="450395" cy="338554"/>
+          </a:xfrm>
+          <a:prstGeom prst="rect">
+            <a:avLst/>
+          </a:prstGeom>
+          <a:noFill/>
+        </p:spPr>
+        <p:txBody>
+          <a:bodyPr wrap="square" rtlCol="0">
+            <a:spAutoFit/>
+          </a:bodyPr>
+          <a:lstStyle/>
+          <a:p>
+            <a:r>
+              <a:rPr lang="en-US" altLang="ko-KR" sz="1600" b="1" dirty="0">
+                <a:ln>
+                  <a:solidFill>
+                    <a:schemeClr val="tx1">
+                      <a:alpha val="30000"/>
+                    </a:schemeClr>
+                  </a:solidFill>
+                </a:ln>
+                <a:solidFill>
+                  <a:schemeClr val="bg1">
+                    <a:lumMod val="85000"/>
+                  </a:schemeClr>
+                </a:solidFill>
+                <a:latin typeface="Yoon 윤고딕 520_TT" pitchFamily="18" charset="-127"/>
+                <a:ea typeface="Yoon 윤고딕 520_TT" pitchFamily="18" charset="-127"/>
+              </a:rPr>
+              <a:t>02</a:t>
+            </a:r>
+          </a:p>
+        </p:txBody>
+      </p:sp>
+    </p:spTree>
+    <p:extLst>
+      <p:ext uri="{BB962C8B-B14F-4D97-AF65-F5344CB8AC3E}">
+        <p14:creationId xmlns:p14="http://schemas.microsoft.com/office/powerpoint/2010/main" val="4040119083"/>
+      </p:ext>
+    </p:extLst>
+  </p:cSld>
+  <p:clrMapOvr>
+    <a:masterClrMapping/>
+  </p:clrMapOvr>
+  <mc:AlternateContent xmlns:mc="http://schemas.openxmlformats.org/markup-compatibility/2006" xmlns:p14="http://schemas.microsoft.com/office/powerpoint/2010/main">
+    <mc:Choice Requires="p14">
+      <p:transition spd="med" p14:dur="700">
+        <p:fade/>
+      </p:transition>
+    </mc:Choice>
+    <mc:Fallback xmlns="">
+      <p:transition spd="med">
+        <p:fade/>
+      </p:transition>
+    </mc:Fallback>
+  </mc:AlternateContent>
+</p:sld>
+</file>
+
+<file path=ppt/slides/slide17.xml><?xml version="1.0" encoding="utf-8"?>
+<p:sld xmlns:a="http://schemas.openxmlformats.org/drawingml/2006/main" xmlns:r="http://schemas.openxmlformats.org/officeDocument/2006/relationships" xmlns:p="http://schemas.openxmlformats.org/presentationml/2006/main">
+  <p:cSld>
+    <p:spTree>
+      <p:nvGrpSpPr>
+        <p:cNvPr id="1" name=""/>
+        <p:cNvGrpSpPr/>
+        <p:nvPr/>
+      </p:nvGrpSpPr>
+      <p:grpSpPr>
+        <a:xfrm>
+          <a:off x="0" y="0"/>
+          <a:ext cx="0" cy="0"/>
+          <a:chOff x="0" y="0"/>
+          <a:chExt cx="0" cy="0"/>
+        </a:xfrm>
+      </p:grpSpPr>
+      <p:cxnSp>
+        <p:nvCxnSpPr>
+          <p:cNvPr id="4" name="직선 연결선 3"/>
+          <p:cNvCxnSpPr/>
+          <p:nvPr/>
+        </p:nvCxnSpPr>
+        <p:spPr>
+          <a:xfrm>
+            <a:off x="683568" y="-371068"/>
+            <a:ext cx="0" cy="7472476"/>
+          </a:xfrm>
+          <a:prstGeom prst="line">
+            <a:avLst/>
+          </a:prstGeom>
+          <a:ln>
+            <a:solidFill>
+              <a:schemeClr val="bg1">
+                <a:lumMod val="65000"/>
+                <a:alpha val="50000"/>
+              </a:schemeClr>
+            </a:solidFill>
+          </a:ln>
+        </p:spPr>
+        <p:style>
+          <a:lnRef idx="1">
+            <a:schemeClr val="accent1"/>
+          </a:lnRef>
+          <a:fillRef idx="0">
+            <a:schemeClr val="accent1"/>
+          </a:fillRef>
+          <a:effectRef idx="0">
+            <a:schemeClr val="accent1"/>
+          </a:effectRef>
+          <a:fontRef idx="minor">
+            <a:schemeClr val="tx1"/>
+          </a:fontRef>
+        </p:style>
+      </p:cxnSp>
+      <p:cxnSp>
+        <p:nvCxnSpPr>
+          <p:cNvPr id="5" name="직선 연결선 4"/>
+          <p:cNvCxnSpPr/>
+          <p:nvPr/>
+        </p:nvCxnSpPr>
+        <p:spPr>
+          <a:xfrm flipH="1">
+            <a:off x="692540" y="548680"/>
+            <a:ext cx="9295796" cy="0"/>
+          </a:xfrm>
+          <a:prstGeom prst="line">
+            <a:avLst/>
+          </a:prstGeom>
+          <a:ln>
+            <a:solidFill>
+              <a:schemeClr val="bg1">
+                <a:lumMod val="65000"/>
+                <a:alpha val="50000"/>
+              </a:schemeClr>
+            </a:solidFill>
+          </a:ln>
+        </p:spPr>
+        <p:style>
+          <a:lnRef idx="1">
+            <a:schemeClr val="accent1"/>
+          </a:lnRef>
+          <a:fillRef idx="0">
+            <a:schemeClr val="accent1"/>
+          </a:fillRef>
+          <a:effectRef idx="0">
+            <a:schemeClr val="accent1"/>
+          </a:effectRef>
+          <a:fontRef idx="minor">
+            <a:schemeClr val="tx1"/>
+          </a:fontRef>
+        </p:style>
+      </p:cxnSp>
+      <p:sp>
+        <p:nvSpPr>
+          <p:cNvPr id="11" name="TextBox 10">
+            <a:extLst>
+              <a:ext uri="{FF2B5EF4-FFF2-40B4-BE49-F238E27FC236}">
+                <a16:creationId xmlns:a16="http://schemas.microsoft.com/office/drawing/2014/main" id="{A70519F6-9568-4265-8053-2BA1DA3677DE}"/>
+              </a:ext>
+            </a:extLst>
+          </p:cNvPr>
+          <p:cNvSpPr txBox="1"/>
+          <p:nvPr/>
+        </p:nvSpPr>
+        <p:spPr>
+          <a:xfrm>
+            <a:off x="1043607" y="138482"/>
+            <a:ext cx="2448267" cy="369332"/>
+          </a:xfrm>
+          <a:prstGeom prst="rect">
+            <a:avLst/>
+          </a:prstGeom>
+          <a:noFill/>
+        </p:spPr>
+        <p:txBody>
+          <a:bodyPr wrap="square" rtlCol="0">
+            <a:spAutoFit/>
+          </a:bodyPr>
+          <a:lstStyle/>
+          <a:p>
+            <a:pPr algn="ctr"/>
+            <a:r>
+              <a:rPr lang="en-US" altLang="ko-KR" dirty="0">
+                <a:ln>
+                  <a:solidFill>
+                    <a:schemeClr val="tx1">
+                      <a:alpha val="30000"/>
+                    </a:schemeClr>
+                  </a:solidFill>
+                </a:ln>
+                <a:solidFill>
+                  <a:srgbClr val="272123"/>
+                </a:solidFill>
+                <a:latin typeface="+mj-ea"/>
+                <a:ea typeface="+mj-ea"/>
+              </a:rPr>
+              <a:t>Web </a:t>
+            </a:r>
+            <a:r>
+              <a:rPr lang="ko-KR" altLang="en-US" dirty="0">
+                <a:ln>
+                  <a:solidFill>
+                    <a:schemeClr val="tx1">
+                      <a:alpha val="30000"/>
+                    </a:schemeClr>
+                  </a:solidFill>
+                </a:ln>
+                <a:solidFill>
+                  <a:srgbClr val="272123"/>
+                </a:solidFill>
+                <a:latin typeface="+mj-ea"/>
+                <a:ea typeface="+mj-ea"/>
+              </a:rPr>
+              <a:t>구조</a:t>
+            </a:r>
+            <a:endParaRPr lang="en-US" altLang="ko-KR" dirty="0">
+              <a:ln>
+                <a:solidFill>
+                  <a:schemeClr val="tx1">
+                    <a:alpha val="30000"/>
+                  </a:schemeClr>
+                </a:solidFill>
+              </a:ln>
+              <a:solidFill>
+                <a:srgbClr val="272123"/>
+              </a:solidFill>
+              <a:latin typeface="+mj-ea"/>
+              <a:ea typeface="+mj-ea"/>
+            </a:endParaRPr>
+          </a:p>
+        </p:txBody>
+      </p:sp>
+      <p:sp>
+        <p:nvSpPr>
+          <p:cNvPr id="20" name="직사각형 8">
+            <a:extLst>
+              <a:ext uri="{FF2B5EF4-FFF2-40B4-BE49-F238E27FC236}">
+                <a16:creationId xmlns:a16="http://schemas.microsoft.com/office/drawing/2014/main" id="{7E7B29A2-2799-854F-91CF-96D16758CC97}"/>
+              </a:ext>
+            </a:extLst>
+          </p:cNvPr>
+          <p:cNvSpPr/>
+          <p:nvPr/>
+        </p:nvSpPr>
+        <p:spPr>
+          <a:xfrm>
+            <a:off x="0" y="1335821"/>
+            <a:ext cx="834325" cy="343501"/>
+          </a:xfrm>
+          <a:prstGeom prst="rect">
+            <a:avLst/>
+          </a:prstGeom>
+          <a:solidFill>
+            <a:srgbClr val="272123"/>
+          </a:solidFill>
+          <a:ln>
+            <a:noFill/>
+          </a:ln>
+        </p:spPr>
+        <p:style>
+          <a:lnRef idx="2">
+            <a:schemeClr val="accent1">
+              <a:shade val="50000"/>
+            </a:schemeClr>
+          </a:lnRef>
+          <a:fillRef idx="1">
+            <a:schemeClr val="accent1"/>
+          </a:fillRef>
+          <a:effectRef idx="0">
+            <a:schemeClr val="accent1"/>
+          </a:effectRef>
+          <a:fontRef idx="minor">
+            <a:schemeClr val="lt1"/>
+          </a:fontRef>
+        </p:style>
+        <p:txBody>
+          <a:bodyPr rtlCol="0" anchor="ctr"/>
+          <a:lstStyle/>
+          <a:p>
+            <a:pPr algn="ctr"/>
+            <a:endParaRPr lang="ko-KR" altLang="en-US"/>
+          </a:p>
+        </p:txBody>
+      </p:sp>
+      <p:sp>
+        <p:nvSpPr>
+          <p:cNvPr id="22" name="직각 삼각형 9">
+            <a:extLst>
+              <a:ext uri="{FF2B5EF4-FFF2-40B4-BE49-F238E27FC236}">
+                <a16:creationId xmlns:a16="http://schemas.microsoft.com/office/drawing/2014/main" id="{3A2FB131-1C3B-DB4D-930D-47B4FDAA3331}"/>
+              </a:ext>
+            </a:extLst>
+          </p:cNvPr>
+          <p:cNvSpPr/>
+          <p:nvPr/>
+        </p:nvSpPr>
+        <p:spPr>
+          <a:xfrm rot="5400000">
+            <a:off x="714667" y="1665893"/>
+            <a:ext cx="81142" cy="108000"/>
+          </a:xfrm>
+          <a:prstGeom prst="rtTriangle">
+            <a:avLst/>
+          </a:prstGeom>
+          <a:solidFill>
+            <a:schemeClr val="tx1"/>
+          </a:solidFill>
+          <a:ln>
+            <a:solidFill>
+              <a:schemeClr val="tx1"/>
+            </a:solidFill>
+          </a:ln>
+        </p:spPr>
+        <p:style>
+          <a:lnRef idx="2">
+            <a:schemeClr val="accent1">
+              <a:shade val="50000"/>
+            </a:schemeClr>
+          </a:lnRef>
+          <a:fillRef idx="1">
+            <a:schemeClr val="accent1"/>
+          </a:fillRef>
+          <a:effectRef idx="0">
+            <a:schemeClr val="accent1"/>
+          </a:effectRef>
+          <a:fontRef idx="minor">
+            <a:schemeClr val="lt1"/>
+          </a:fontRef>
+        </p:style>
+        <p:txBody>
+          <a:bodyPr rtlCol="0" anchor="ctr"/>
+          <a:lstStyle/>
+          <a:p>
+            <a:pPr algn="ctr"/>
+            <a:endParaRPr lang="ko-KR" altLang="en-US"/>
+          </a:p>
+        </p:txBody>
+      </p:sp>
+      <p:sp>
+        <p:nvSpPr>
+          <p:cNvPr id="23" name="TextBox 22">
+            <a:extLst>
+              <a:ext uri="{FF2B5EF4-FFF2-40B4-BE49-F238E27FC236}">
+                <a16:creationId xmlns:a16="http://schemas.microsoft.com/office/drawing/2014/main" id="{8558390B-E969-9E4A-BEBB-31168A1B7CB0}"/>
+              </a:ext>
+            </a:extLst>
+          </p:cNvPr>
+          <p:cNvSpPr txBox="1"/>
+          <p:nvPr/>
+        </p:nvSpPr>
+        <p:spPr>
+          <a:xfrm>
+            <a:off x="107504" y="1340768"/>
+            <a:ext cx="450395" cy="338554"/>
+          </a:xfrm>
+          <a:prstGeom prst="rect">
+            <a:avLst/>
+          </a:prstGeom>
+          <a:noFill/>
+        </p:spPr>
+        <p:txBody>
+          <a:bodyPr wrap="square" rtlCol="0">
+            <a:spAutoFit/>
+          </a:bodyPr>
+          <a:lstStyle/>
+          <a:p>
+            <a:r>
+              <a:rPr lang="en-US" altLang="ko-KR" sz="1600" b="1" dirty="0">
+                <a:ln>
+                  <a:solidFill>
+                    <a:schemeClr val="tx1">
+                      <a:alpha val="30000"/>
+                    </a:schemeClr>
+                  </a:solidFill>
+                </a:ln>
+                <a:solidFill>
+                  <a:schemeClr val="bg1">
+                    <a:lumMod val="85000"/>
+                  </a:schemeClr>
+                </a:solidFill>
+                <a:latin typeface="Yoon 윤고딕 520_TT" pitchFamily="18" charset="-127"/>
+                <a:ea typeface="Yoon 윤고딕 520_TT" pitchFamily="18" charset="-127"/>
+              </a:rPr>
+              <a:t>02</a:t>
+            </a:r>
+          </a:p>
+        </p:txBody>
+      </p:sp>
+      <p:sp>
+        <p:nvSpPr>
+          <p:cNvPr id="25" name="TextBox 24">
+            <a:extLst>
+              <a:ext uri="{FF2B5EF4-FFF2-40B4-BE49-F238E27FC236}">
+                <a16:creationId xmlns:a16="http://schemas.microsoft.com/office/drawing/2014/main" id="{0DB68B22-8832-E444-8CF3-1C3B88BD0AFF}"/>
+              </a:ext>
+            </a:extLst>
+          </p:cNvPr>
+          <p:cNvSpPr txBox="1"/>
+          <p:nvPr/>
+        </p:nvSpPr>
+        <p:spPr>
+          <a:xfrm>
+            <a:off x="123549" y="882386"/>
+            <a:ext cx="541363" cy="338554"/>
+          </a:xfrm>
+          <a:prstGeom prst="rect">
+            <a:avLst/>
+          </a:prstGeom>
+          <a:noFill/>
+        </p:spPr>
+        <p:txBody>
+          <a:bodyPr wrap="square" rtlCol="0">
+            <a:spAutoFit/>
+          </a:bodyPr>
+          <a:lstStyle/>
+          <a:p>
+            <a:r>
+              <a:rPr lang="en-US" altLang="ko-KR" sz="1600" b="1" dirty="0">
+                <a:ln>
+                  <a:solidFill>
+                    <a:schemeClr val="tx1">
+                      <a:alpha val="30000"/>
+                    </a:schemeClr>
+                  </a:solidFill>
+                </a:ln>
+                <a:solidFill>
+                  <a:schemeClr val="bg1">
+                    <a:lumMod val="75000"/>
+                  </a:schemeClr>
+                </a:solidFill>
+                <a:latin typeface="Yoon 윤고딕 520_TT" pitchFamily="18" charset="-127"/>
+                <a:ea typeface="Yoon 윤고딕 520_TT" pitchFamily="18" charset="-127"/>
+              </a:rPr>
+              <a:t>01</a:t>
+            </a:r>
+          </a:p>
+        </p:txBody>
+      </p:sp>
+      <p:sp>
+        <p:nvSpPr>
+          <p:cNvPr id="6" name="Rectangle 5">
+            <a:extLst>
+              <a:ext uri="{FF2B5EF4-FFF2-40B4-BE49-F238E27FC236}">
+                <a16:creationId xmlns:a16="http://schemas.microsoft.com/office/drawing/2014/main" id="{8A74C849-F4E6-BD46-A87C-4D14730BE1A8}"/>
+              </a:ext>
+            </a:extLst>
+          </p:cNvPr>
+          <p:cNvSpPr/>
+          <p:nvPr/>
+        </p:nvSpPr>
+        <p:spPr>
+          <a:xfrm>
+            <a:off x="4132290" y="980729"/>
+            <a:ext cx="1512168" cy="864096"/>
+          </a:xfrm>
+          <a:prstGeom prst="rect">
+            <a:avLst/>
+          </a:prstGeom>
+          <a:solidFill>
+            <a:schemeClr val="tx1">
+              <a:lumMod val="65000"/>
+              <a:lumOff val="35000"/>
+            </a:schemeClr>
+          </a:solidFill>
+          <a:ln>
+            <a:solidFill>
+              <a:schemeClr val="tx1">
+                <a:lumMod val="50000"/>
+                <a:lumOff val="50000"/>
+              </a:schemeClr>
+            </a:solidFill>
+          </a:ln>
+        </p:spPr>
+        <p:style>
+          <a:lnRef idx="2">
+            <a:schemeClr val="accent1">
+              <a:shade val="50000"/>
+            </a:schemeClr>
+          </a:lnRef>
+          <a:fillRef idx="1">
+            <a:schemeClr val="accent1"/>
+          </a:fillRef>
+          <a:effectRef idx="0">
+            <a:schemeClr val="accent1"/>
+          </a:effectRef>
+          <a:fontRef idx="minor">
+            <a:schemeClr val="lt1"/>
+          </a:fontRef>
+        </p:style>
+        <p:txBody>
+          <a:bodyPr rtlCol="0" anchor="ctr"/>
+          <a:lstStyle/>
+          <a:p>
+            <a:pPr algn="ctr"/>
+            <a:r>
+              <a:rPr lang="en-US" dirty="0"/>
+              <a:t>Login</a:t>
+            </a:r>
+          </a:p>
+        </p:txBody>
+      </p:sp>
+      <p:cxnSp>
+        <p:nvCxnSpPr>
+          <p:cNvPr id="18" name="Straight Connector 17">
+            <a:extLst>
+              <a:ext uri="{FF2B5EF4-FFF2-40B4-BE49-F238E27FC236}">
+                <a16:creationId xmlns:a16="http://schemas.microsoft.com/office/drawing/2014/main" id="{8CCFDFF6-523F-1641-B006-BD9DCA0716B8}"/>
+              </a:ext>
+            </a:extLst>
+          </p:cNvPr>
+          <p:cNvCxnSpPr>
+            <a:cxnSpLocks/>
+            <a:stCxn id="6" idx="2"/>
+          </p:cNvCxnSpPr>
+          <p:nvPr/>
+        </p:nvCxnSpPr>
+        <p:spPr>
+          <a:xfrm flipH="1">
+            <a:off x="3688538" y="1844825"/>
+            <a:ext cx="1199836" cy="472915"/>
+          </a:xfrm>
+          <a:prstGeom prst="line">
+            <a:avLst/>
+          </a:prstGeom>
+        </p:spPr>
+        <p:style>
+          <a:lnRef idx="1">
+            <a:schemeClr val="accent1"/>
+          </a:lnRef>
+          <a:fillRef idx="0">
+            <a:schemeClr val="accent1"/>
+          </a:fillRef>
+          <a:effectRef idx="0">
+            <a:schemeClr val="accent1"/>
+          </a:effectRef>
+          <a:fontRef idx="minor">
+            <a:schemeClr val="tx1"/>
+          </a:fontRef>
+        </p:style>
+      </p:cxnSp>
+      <p:sp>
+        <p:nvSpPr>
+          <p:cNvPr id="46" name="Rectangle 45">
+            <a:extLst>
+              <a:ext uri="{FF2B5EF4-FFF2-40B4-BE49-F238E27FC236}">
+                <a16:creationId xmlns:a16="http://schemas.microsoft.com/office/drawing/2014/main" id="{36F01FD9-4D10-6F43-9AF8-97480CCC9908}"/>
+              </a:ext>
+            </a:extLst>
+          </p:cNvPr>
+          <p:cNvSpPr/>
+          <p:nvPr/>
+        </p:nvSpPr>
+        <p:spPr>
+          <a:xfrm>
+            <a:off x="3520225" y="2333622"/>
+            <a:ext cx="2736297" cy="864096"/>
+          </a:xfrm>
+          <a:prstGeom prst="rect">
+            <a:avLst/>
+          </a:prstGeom>
+          <a:solidFill>
+            <a:schemeClr val="tx1">
+              <a:lumMod val="65000"/>
+              <a:lumOff val="35000"/>
+            </a:schemeClr>
+          </a:solidFill>
+          <a:ln>
+            <a:solidFill>
+              <a:schemeClr val="tx1">
+                <a:lumMod val="50000"/>
+                <a:lumOff val="50000"/>
+              </a:schemeClr>
+            </a:solidFill>
+          </a:ln>
+        </p:spPr>
+        <p:style>
+          <a:lnRef idx="2">
+            <a:schemeClr val="accent1">
+              <a:shade val="50000"/>
+            </a:schemeClr>
+          </a:lnRef>
+          <a:fillRef idx="1">
+            <a:schemeClr val="accent1"/>
+          </a:fillRef>
+          <a:effectRef idx="0">
+            <a:schemeClr val="accent1"/>
+          </a:effectRef>
+          <a:fontRef idx="minor">
+            <a:schemeClr val="lt1"/>
+          </a:fontRef>
+        </p:style>
+        <p:txBody>
+          <a:bodyPr rtlCol="0" anchor="ctr"/>
+          <a:lstStyle/>
+          <a:p>
+            <a:pPr algn="ctr"/>
+            <a:r>
+              <a:rPr lang="en-US" dirty="0"/>
+              <a:t>Main</a:t>
+            </a:r>
+          </a:p>
+          <a:p>
+            <a:pPr algn="ctr"/>
+            <a:r>
+              <a:rPr lang="en-US" altLang="ko-KR" dirty="0"/>
+              <a:t>(</a:t>
+            </a:r>
+            <a:r>
+              <a:rPr lang="ko-KR" altLang="en-US" dirty="0"/>
+              <a:t>소비자 </a:t>
+            </a:r>
+            <a:r>
+              <a:rPr lang="en-US" altLang="ko-KR" dirty="0"/>
+              <a:t>/</a:t>
+            </a:r>
+            <a:r>
+              <a:rPr lang="ko-KR" altLang="en-US" dirty="0"/>
+              <a:t> 공급자</a:t>
+            </a:r>
+            <a:r>
+              <a:rPr lang="en-US" altLang="ko-KR" dirty="0"/>
+              <a:t>)</a:t>
+            </a:r>
+          </a:p>
+        </p:txBody>
+      </p:sp>
+      <p:cxnSp>
+        <p:nvCxnSpPr>
+          <p:cNvPr id="47" name="Straight Connector 46">
+            <a:extLst>
+              <a:ext uri="{FF2B5EF4-FFF2-40B4-BE49-F238E27FC236}">
+                <a16:creationId xmlns:a16="http://schemas.microsoft.com/office/drawing/2014/main" id="{090C4FE2-32A3-8140-B51C-19B156122FB2}"/>
+              </a:ext>
+            </a:extLst>
+          </p:cNvPr>
+          <p:cNvCxnSpPr>
+            <a:cxnSpLocks/>
+            <a:stCxn id="6" idx="2"/>
+          </p:cNvCxnSpPr>
+          <p:nvPr/>
+        </p:nvCxnSpPr>
+        <p:spPr>
+          <a:xfrm>
+            <a:off x="4888374" y="1844825"/>
+            <a:ext cx="1264333" cy="472915"/>
+          </a:xfrm>
+          <a:prstGeom prst="line">
+            <a:avLst/>
+          </a:prstGeom>
+        </p:spPr>
+        <p:style>
+          <a:lnRef idx="1">
+            <a:schemeClr val="accent1"/>
+          </a:lnRef>
+          <a:fillRef idx="0">
+            <a:schemeClr val="accent1"/>
+          </a:fillRef>
+          <a:effectRef idx="0">
+            <a:schemeClr val="accent1"/>
+          </a:effectRef>
+          <a:fontRef idx="minor">
+            <a:schemeClr val="tx1"/>
+          </a:fontRef>
+        </p:style>
+      </p:cxnSp>
+      <p:sp>
+        <p:nvSpPr>
+          <p:cNvPr id="50" name="Rectangle 49">
+            <a:extLst>
+              <a:ext uri="{FF2B5EF4-FFF2-40B4-BE49-F238E27FC236}">
+                <a16:creationId xmlns:a16="http://schemas.microsoft.com/office/drawing/2014/main" id="{70E794CB-2B60-1C4D-8EC6-86C7D6FEF6FD}"/>
+              </a:ext>
+            </a:extLst>
+          </p:cNvPr>
+          <p:cNvSpPr/>
+          <p:nvPr/>
+        </p:nvSpPr>
+        <p:spPr>
+          <a:xfrm>
+            <a:off x="1133564" y="4384282"/>
+            <a:ext cx="1594149" cy="927685"/>
+          </a:xfrm>
+          <a:prstGeom prst="rect">
+            <a:avLst/>
+          </a:prstGeom>
+          <a:solidFill>
+            <a:schemeClr val="tx1">
+              <a:lumMod val="65000"/>
+              <a:lumOff val="35000"/>
+            </a:schemeClr>
+          </a:solidFill>
+          <a:ln>
+            <a:solidFill>
+              <a:schemeClr val="tx1">
+                <a:lumMod val="50000"/>
+                <a:lumOff val="50000"/>
+              </a:schemeClr>
+            </a:solidFill>
+          </a:ln>
+        </p:spPr>
+        <p:style>
+          <a:lnRef idx="2">
+            <a:schemeClr val="accent1">
+              <a:shade val="50000"/>
+            </a:schemeClr>
+          </a:lnRef>
+          <a:fillRef idx="1">
+            <a:schemeClr val="accent1"/>
+          </a:fillRef>
+          <a:effectRef idx="0">
+            <a:schemeClr val="accent1"/>
+          </a:effectRef>
+          <a:fontRef idx="minor">
+            <a:schemeClr val="lt1"/>
+          </a:fontRef>
+        </p:style>
+        <p:txBody>
+          <a:bodyPr rtlCol="0" anchor="ctr"/>
+          <a:lstStyle/>
+          <a:p>
+            <a:pPr algn="ctr"/>
+            <a:r>
+              <a:rPr lang="en-US" altLang="ko-KR" dirty="0"/>
+              <a:t>logout</a:t>
+            </a:r>
+            <a:endParaRPr lang="en-US" dirty="0"/>
+          </a:p>
+        </p:txBody>
+      </p:sp>
+      <p:sp>
+        <p:nvSpPr>
+          <p:cNvPr id="51" name="Rectangle 50">
+            <a:extLst>
+              <a:ext uri="{FF2B5EF4-FFF2-40B4-BE49-F238E27FC236}">
+                <a16:creationId xmlns:a16="http://schemas.microsoft.com/office/drawing/2014/main" id="{D6365271-9D6B-AB49-B8D5-086E68E400FA}"/>
+              </a:ext>
+            </a:extLst>
+          </p:cNvPr>
+          <p:cNvSpPr/>
+          <p:nvPr/>
+        </p:nvSpPr>
+        <p:spPr>
+          <a:xfrm>
+            <a:off x="3010768" y="4373516"/>
+            <a:ext cx="1710247" cy="927692"/>
+          </a:xfrm>
+          <a:prstGeom prst="rect">
+            <a:avLst/>
+          </a:prstGeom>
+          <a:solidFill>
+            <a:schemeClr val="tx1">
+              <a:lumMod val="65000"/>
+              <a:lumOff val="35000"/>
+            </a:schemeClr>
+          </a:solidFill>
+          <a:ln>
+            <a:solidFill>
+              <a:schemeClr val="tx1">
+                <a:lumMod val="50000"/>
+                <a:lumOff val="50000"/>
+              </a:schemeClr>
+            </a:solidFill>
+          </a:ln>
+        </p:spPr>
+        <p:style>
+          <a:lnRef idx="2">
+            <a:schemeClr val="accent1">
+              <a:shade val="50000"/>
+            </a:schemeClr>
+          </a:lnRef>
+          <a:fillRef idx="1">
+            <a:schemeClr val="accent1"/>
+          </a:fillRef>
+          <a:effectRef idx="0">
+            <a:schemeClr val="accent1"/>
+          </a:effectRef>
+          <a:fontRef idx="minor">
+            <a:schemeClr val="lt1"/>
+          </a:fontRef>
+        </p:style>
+        <p:txBody>
+          <a:bodyPr rtlCol="0" anchor="ctr"/>
+          <a:lstStyle/>
+          <a:p>
+            <a:pPr algn="ctr"/>
+            <a:r>
+              <a:rPr lang="ko-KR" altLang="en-US" dirty="0"/>
+              <a:t>예약 현황 확인 </a:t>
+            </a:r>
+            <a:r>
+              <a:rPr lang="en-US" altLang="ko-KR" dirty="0"/>
+              <a:t>/</a:t>
+            </a:r>
+            <a:r>
+              <a:rPr lang="ko-KR" altLang="en-US" dirty="0"/>
+              <a:t> 새로운 글쓰기</a:t>
+            </a:r>
+            <a:endParaRPr lang="en-US" dirty="0"/>
+          </a:p>
+        </p:txBody>
+      </p:sp>
+      <p:sp>
+        <p:nvSpPr>
+          <p:cNvPr id="53" name="Rectangle 52">
+            <a:extLst>
+              <a:ext uri="{FF2B5EF4-FFF2-40B4-BE49-F238E27FC236}">
+                <a16:creationId xmlns:a16="http://schemas.microsoft.com/office/drawing/2014/main" id="{6138C551-CA99-8C45-B0BA-C95100842EFE}"/>
+              </a:ext>
+            </a:extLst>
+          </p:cNvPr>
+          <p:cNvSpPr/>
+          <p:nvPr/>
+        </p:nvSpPr>
+        <p:spPr>
+          <a:xfrm>
+            <a:off x="5171010" y="4373516"/>
+            <a:ext cx="1561229" cy="927691"/>
+          </a:xfrm>
+          <a:prstGeom prst="rect">
+            <a:avLst/>
+          </a:prstGeom>
+          <a:solidFill>
+            <a:schemeClr val="tx1">
+              <a:lumMod val="65000"/>
+              <a:lumOff val="35000"/>
+            </a:schemeClr>
+          </a:solidFill>
+          <a:ln>
+            <a:solidFill>
+              <a:schemeClr val="tx1">
+                <a:lumMod val="50000"/>
+                <a:lumOff val="50000"/>
+              </a:schemeClr>
+            </a:solidFill>
+          </a:ln>
+        </p:spPr>
+        <p:style>
+          <a:lnRef idx="2">
+            <a:schemeClr val="accent1">
+              <a:shade val="50000"/>
+            </a:schemeClr>
+          </a:lnRef>
+          <a:fillRef idx="1">
+            <a:schemeClr val="accent1"/>
+          </a:fillRef>
+          <a:effectRef idx="0">
+            <a:schemeClr val="accent1"/>
+          </a:effectRef>
+          <a:fontRef idx="minor">
+            <a:schemeClr val="lt1"/>
+          </a:fontRef>
+        </p:style>
+        <p:txBody>
+          <a:bodyPr rtlCol="0" anchor="ctr"/>
+          <a:lstStyle/>
+          <a:p>
+            <a:pPr algn="ctr"/>
+            <a:r>
+              <a:rPr lang="ko-KR" altLang="en-US" dirty="0"/>
+              <a:t>예약 목록 </a:t>
+            </a:r>
+            <a:endParaRPr lang="en-US" altLang="ko-KR" dirty="0"/>
+          </a:p>
+          <a:p>
+            <a:pPr algn="ctr"/>
+            <a:r>
+              <a:rPr lang="ko-KR" altLang="en-US" dirty="0"/>
+              <a:t>열람</a:t>
+            </a:r>
+            <a:endParaRPr lang="en-US" dirty="0"/>
+          </a:p>
+        </p:txBody>
+      </p:sp>
+      <p:sp>
+        <p:nvSpPr>
+          <p:cNvPr id="55" name="Rectangle 54">
+            <a:extLst>
+              <a:ext uri="{FF2B5EF4-FFF2-40B4-BE49-F238E27FC236}">
+                <a16:creationId xmlns:a16="http://schemas.microsoft.com/office/drawing/2014/main" id="{5CA73D9E-E14A-5649-B355-66C770EDC93D}"/>
+              </a:ext>
+            </a:extLst>
+          </p:cNvPr>
+          <p:cNvSpPr/>
+          <p:nvPr/>
+        </p:nvSpPr>
+        <p:spPr>
+          <a:xfrm>
+            <a:off x="7115227" y="4373516"/>
+            <a:ext cx="1561229" cy="927685"/>
+          </a:xfrm>
+          <a:prstGeom prst="rect">
+            <a:avLst/>
+          </a:prstGeom>
+          <a:solidFill>
+            <a:schemeClr val="tx1">
+              <a:lumMod val="65000"/>
+              <a:lumOff val="35000"/>
+            </a:schemeClr>
+          </a:solidFill>
+          <a:ln>
+            <a:solidFill>
+              <a:schemeClr val="tx1">
+                <a:lumMod val="50000"/>
+                <a:lumOff val="50000"/>
+              </a:schemeClr>
+            </a:solidFill>
+          </a:ln>
+        </p:spPr>
+        <p:style>
+          <a:lnRef idx="2">
+            <a:schemeClr val="accent1">
+              <a:shade val="50000"/>
+            </a:schemeClr>
+          </a:lnRef>
+          <a:fillRef idx="1">
+            <a:schemeClr val="accent1"/>
+          </a:fillRef>
+          <a:effectRef idx="0">
+            <a:schemeClr val="accent1"/>
+          </a:effectRef>
+          <a:fontRef idx="minor">
+            <a:schemeClr val="lt1"/>
+          </a:fontRef>
+        </p:style>
+        <p:txBody>
+          <a:bodyPr rtlCol="0" anchor="ctr"/>
+          <a:lstStyle/>
+          <a:p>
+            <a:pPr algn="ctr"/>
+            <a:r>
+              <a:rPr lang="ko-KR" altLang="en-US" dirty="0"/>
+              <a:t>개인정보 </a:t>
+            </a:r>
+            <a:endParaRPr lang="en-US" altLang="ko-KR" dirty="0"/>
+          </a:p>
+          <a:p>
+            <a:pPr algn="ctr"/>
+            <a:r>
+              <a:rPr lang="ko-KR" altLang="en-US" dirty="0"/>
+              <a:t>변경</a:t>
+            </a:r>
+            <a:endParaRPr lang="en-US" dirty="0"/>
+          </a:p>
+        </p:txBody>
+      </p:sp>
+      <p:cxnSp>
+        <p:nvCxnSpPr>
+          <p:cNvPr id="56" name="Straight Connector 55">
+            <a:extLst>
+              <a:ext uri="{FF2B5EF4-FFF2-40B4-BE49-F238E27FC236}">
+                <a16:creationId xmlns:a16="http://schemas.microsoft.com/office/drawing/2014/main" id="{52BFE773-EAC3-0042-8BC8-1E9EC77E46F3}"/>
+              </a:ext>
+            </a:extLst>
+          </p:cNvPr>
+          <p:cNvCxnSpPr>
+            <a:cxnSpLocks/>
+            <a:stCxn id="46" idx="2"/>
+            <a:endCxn id="50" idx="0"/>
+          </p:cNvCxnSpPr>
+          <p:nvPr/>
+        </p:nvCxnSpPr>
+        <p:spPr>
+          <a:xfrm flipH="1">
+            <a:off x="1930639" y="3197718"/>
+            <a:ext cx="2957735" cy="1186564"/>
+          </a:xfrm>
+          <a:prstGeom prst="line">
+            <a:avLst/>
+          </a:prstGeom>
+        </p:spPr>
+        <p:style>
+          <a:lnRef idx="1">
+            <a:schemeClr val="accent1"/>
+          </a:lnRef>
+          <a:fillRef idx="0">
+            <a:schemeClr val="accent1"/>
+          </a:fillRef>
+          <a:effectRef idx="0">
+            <a:schemeClr val="accent1"/>
+          </a:effectRef>
+          <a:fontRef idx="minor">
+            <a:schemeClr val="tx1"/>
+          </a:fontRef>
+        </p:style>
+      </p:cxnSp>
+      <p:cxnSp>
+        <p:nvCxnSpPr>
+          <p:cNvPr id="57" name="Straight Connector 56">
+            <a:extLst>
+              <a:ext uri="{FF2B5EF4-FFF2-40B4-BE49-F238E27FC236}">
+                <a16:creationId xmlns:a16="http://schemas.microsoft.com/office/drawing/2014/main" id="{B28F842A-7450-4B44-A00C-D9F53BCB2D0B}"/>
+              </a:ext>
+            </a:extLst>
+          </p:cNvPr>
+          <p:cNvCxnSpPr>
+            <a:cxnSpLocks/>
+            <a:stCxn id="46" idx="2"/>
+            <a:endCxn id="51" idx="0"/>
+          </p:cNvCxnSpPr>
+          <p:nvPr/>
+        </p:nvCxnSpPr>
+        <p:spPr>
+          <a:xfrm flipH="1">
+            <a:off x="3865892" y="3197718"/>
+            <a:ext cx="1022482" cy="1175798"/>
+          </a:xfrm>
+          <a:prstGeom prst="line">
+            <a:avLst/>
+          </a:prstGeom>
+        </p:spPr>
+        <p:style>
+          <a:lnRef idx="1">
+            <a:schemeClr val="accent1"/>
+          </a:lnRef>
+          <a:fillRef idx="0">
+            <a:schemeClr val="accent1"/>
+          </a:fillRef>
+          <a:effectRef idx="0">
+            <a:schemeClr val="accent1"/>
+          </a:effectRef>
+          <a:fontRef idx="minor">
+            <a:schemeClr val="tx1"/>
+          </a:fontRef>
+        </p:style>
+      </p:cxnSp>
+      <p:cxnSp>
+        <p:nvCxnSpPr>
+          <p:cNvPr id="59" name="Straight Connector 58">
+            <a:extLst>
+              <a:ext uri="{FF2B5EF4-FFF2-40B4-BE49-F238E27FC236}">
+                <a16:creationId xmlns:a16="http://schemas.microsoft.com/office/drawing/2014/main" id="{2BC6441F-6979-064C-84AB-99128C66BFC0}"/>
+              </a:ext>
+            </a:extLst>
+          </p:cNvPr>
+          <p:cNvCxnSpPr>
+            <a:cxnSpLocks/>
+            <a:stCxn id="46" idx="2"/>
+            <a:endCxn id="53" idx="0"/>
+          </p:cNvCxnSpPr>
+          <p:nvPr/>
+        </p:nvCxnSpPr>
+        <p:spPr>
+          <a:xfrm>
+            <a:off x="4888374" y="3197718"/>
+            <a:ext cx="1063251" cy="1175798"/>
+          </a:xfrm>
+          <a:prstGeom prst="line">
+            <a:avLst/>
+          </a:prstGeom>
+        </p:spPr>
+        <p:style>
+          <a:lnRef idx="1">
+            <a:schemeClr val="accent1"/>
+          </a:lnRef>
+          <a:fillRef idx="0">
+            <a:schemeClr val="accent1"/>
+          </a:fillRef>
+          <a:effectRef idx="0">
+            <a:schemeClr val="accent1"/>
+          </a:effectRef>
+          <a:fontRef idx="minor">
+            <a:schemeClr val="tx1"/>
+          </a:fontRef>
+        </p:style>
+      </p:cxnSp>
+      <p:cxnSp>
+        <p:nvCxnSpPr>
+          <p:cNvPr id="63" name="Straight Connector 62">
+            <a:extLst>
+              <a:ext uri="{FF2B5EF4-FFF2-40B4-BE49-F238E27FC236}">
+                <a16:creationId xmlns:a16="http://schemas.microsoft.com/office/drawing/2014/main" id="{2ECC1550-93E7-F849-BA12-A00A6D9AB07E}"/>
+              </a:ext>
+            </a:extLst>
+          </p:cNvPr>
+          <p:cNvCxnSpPr>
+            <a:cxnSpLocks/>
+            <a:stCxn id="55" idx="0"/>
+            <a:endCxn id="46" idx="2"/>
+          </p:cNvCxnSpPr>
+          <p:nvPr/>
+        </p:nvCxnSpPr>
+        <p:spPr>
+          <a:xfrm flipH="1" flipV="1">
+            <a:off x="4888374" y="3197718"/>
+            <a:ext cx="3007468" cy="1175798"/>
+          </a:xfrm>
+          <a:prstGeom prst="line">
+            <a:avLst/>
+          </a:prstGeom>
+        </p:spPr>
+        <p:style>
+          <a:lnRef idx="1">
+            <a:schemeClr val="accent1"/>
+          </a:lnRef>
+          <a:fillRef idx="0">
+            <a:schemeClr val="accent1"/>
+          </a:fillRef>
+          <a:effectRef idx="0">
+            <a:schemeClr val="accent1"/>
+          </a:effectRef>
+          <a:fontRef idx="minor">
+            <a:schemeClr val="tx1"/>
+          </a:fontRef>
+        </p:style>
+      </p:cxnSp>
+    </p:spTree>
+    <p:extLst>
+      <p:ext uri="{BB962C8B-B14F-4D97-AF65-F5344CB8AC3E}">
+        <p14:creationId xmlns:p14="http://schemas.microsoft.com/office/powerpoint/2010/main" val="529403766"/>
+      </p:ext>
+    </p:extLst>
+  </p:cSld>
+  <p:clrMapOvr>
+    <a:masterClrMapping/>
+  </p:clrMapOvr>
+  <mc:AlternateContent xmlns:mc="http://schemas.openxmlformats.org/markup-compatibility/2006" xmlns:p14="http://schemas.microsoft.com/office/powerpoint/2010/main">
+    <mc:Choice Requires="p14">
+      <p:transition spd="med" p14:dur="700">
+        <p:fade/>
+      </p:transition>
+    </mc:Choice>
+    <mc:Fallback xmlns="">
+      <p:transition spd="med">
+        <p:fade/>
+      </p:transition>
+    </mc:Fallback>
+  </mc:AlternateContent>
+</p:sld>
+</file>
+
+<file path=ppt/slides/slide18.xml><?xml version="1.0" encoding="utf-8"?>
+<p:sld xmlns:a="http://schemas.openxmlformats.org/drawingml/2006/main" xmlns:r="http://schemas.openxmlformats.org/officeDocument/2006/relationships" xmlns:p="http://schemas.openxmlformats.org/presentationml/2006/main">
+  <p:cSld>
+    <p:bg>
+      <p:bgPr>
+        <a:solidFill>
           <a:schemeClr val="tx1"/>
         </a:solidFill>
         <a:effectLst/>
@@ -7071,7 +9091,7 @@
 </p:sld>
 </file>
 
-<file path=ppt/slides/slide16.xml><?xml version="1.0" encoding="utf-8"?>
+<file path=ppt/slides/slide19.xml><?xml version="1.0" encoding="utf-8"?>
 <p:sld xmlns:a="http://schemas.openxmlformats.org/drawingml/2006/main" xmlns:r="http://schemas.openxmlformats.org/officeDocument/2006/relationships" xmlns:p="http://schemas.openxmlformats.org/presentationml/2006/main">
   <p:cSld>
     <p:spTree>
@@ -7771,7 +9791,7 @@
                     </a:schemeClr>
                   </a:solidFill>
                 </a:rPr>
-                <a:t>(Java servlet + apache + tomcat + </a:t>
+                <a:t>(apache + tomcat + </a:t>
               </a:r>
               <a:r>
                 <a:rPr lang="en-US" dirty="0" err="1">
@@ -7855,7 +9875,29 @@
                     </a:schemeClr>
                   </a:solidFill>
                 </a:rPr>
-                <a:t>Data management</a:t>
+                <a:t>Data management (</a:t>
+              </a:r>
+              <a:r>
+                <a:rPr lang="en-US" dirty="0" err="1">
+                  <a:solidFill>
+                    <a:schemeClr val="tx1">
+                      <a:lumMod val="75000"/>
+                      <a:lumOff val="25000"/>
+                    </a:schemeClr>
+                  </a:solidFill>
+                </a:rPr>
+                <a:t>sql</a:t>
+              </a:r>
+              <a:r>
+                <a:rPr lang="en-US" dirty="0">
+                  <a:solidFill>
+                    <a:schemeClr val="tx1">
+                      <a:lumMod val="75000"/>
+                      <a:lumOff val="25000"/>
+                    </a:schemeClr>
+                  </a:solidFill>
+                </a:rPr>
+                <a:t>)</a:t>
               </a:r>
             </a:p>
           </p:txBody>
@@ -7919,6 +9961,58 @@
                 </a:rPr>
                 <a:t>Database</a:t>
               </a:r>
+              <a:r>
+                <a:rPr lang="ko-KR" altLang="en-US" dirty="0">
+                  <a:solidFill>
+                    <a:schemeClr val="tx1">
+                      <a:lumMod val="75000"/>
+                      <a:lumOff val="25000"/>
+                    </a:schemeClr>
+                  </a:solidFill>
+                </a:rPr>
+                <a:t> </a:t>
+              </a:r>
+              <a:r>
+                <a:rPr lang="en-US" altLang="ko-KR" dirty="0">
+                  <a:solidFill>
+                    <a:schemeClr val="tx1">
+                      <a:lumMod val="75000"/>
+                      <a:lumOff val="25000"/>
+                    </a:schemeClr>
+                  </a:solidFill>
+                </a:rPr>
+                <a:t>(</a:t>
+              </a:r>
+              <a:r>
+                <a:rPr lang="en-US" altLang="ko-KR" dirty="0" err="1">
+                  <a:solidFill>
+                    <a:schemeClr val="tx1">
+                      <a:lumMod val="75000"/>
+                      <a:lumOff val="25000"/>
+                    </a:schemeClr>
+                  </a:solidFill>
+                </a:rPr>
+                <a:t>mysql</a:t>
+              </a:r>
+              <a:r>
+                <a:rPr lang="en-US" altLang="ko-KR" dirty="0">
+                  <a:solidFill>
+                    <a:schemeClr val="tx1">
+                      <a:lumMod val="75000"/>
+                      <a:lumOff val="25000"/>
+                    </a:schemeClr>
+                  </a:solidFill>
+                </a:rPr>
+                <a:t>)</a:t>
+              </a:r>
+              <a:endParaRPr lang="en-US" dirty="0">
+                <a:solidFill>
+                  <a:schemeClr val="tx1">
+                    <a:lumMod val="75000"/>
+                    <a:lumOff val="25000"/>
+                  </a:schemeClr>
+                </a:solidFill>
+              </a:endParaRPr>
             </a:p>
           </p:txBody>
         </p:sp>
@@ -8138,1173 +10232,6 @@
     <p:extLst>
       <p:ext uri="{BB962C8B-B14F-4D97-AF65-F5344CB8AC3E}">
         <p14:creationId xmlns:p14="http://schemas.microsoft.com/office/powerpoint/2010/main" val="881593478"/>
-      </p:ext>
-    </p:extLst>
-  </p:cSld>
-  <p:clrMapOvr>
-    <a:masterClrMapping/>
-  </p:clrMapOvr>
-  <mc:AlternateContent xmlns:mc="http://schemas.openxmlformats.org/markup-compatibility/2006" xmlns:p14="http://schemas.microsoft.com/office/powerpoint/2010/main">
-    <mc:Choice Requires="p14">
-      <p:transition spd="med" p14:dur="700">
-        <p:fade/>
-      </p:transition>
-    </mc:Choice>
-    <mc:Fallback xmlns="">
-      <p:transition spd="med">
-        <p:fade/>
-      </p:transition>
-    </mc:Fallback>
-  </mc:AlternateContent>
-</p:sld>
-</file>
-
-<file path=ppt/slides/slide17.xml><?xml version="1.0" encoding="utf-8"?>
-<p:sld xmlns:a="http://schemas.openxmlformats.org/drawingml/2006/main" xmlns:r="http://schemas.openxmlformats.org/officeDocument/2006/relationships" xmlns:p="http://schemas.openxmlformats.org/presentationml/2006/main">
-  <p:cSld>
-    <p:bg>
-      <p:bgPr>
-        <a:solidFill>
-          <a:schemeClr val="tx1"/>
-        </a:solidFill>
-        <a:effectLst/>
-      </p:bgPr>
-    </p:bg>
-    <p:spTree>
-      <p:nvGrpSpPr>
-        <p:cNvPr id="1" name=""/>
-        <p:cNvGrpSpPr/>
-        <p:nvPr/>
-      </p:nvGrpSpPr>
-      <p:grpSpPr>
-        <a:xfrm>
-          <a:off x="0" y="0"/>
-          <a:ext cx="0" cy="0"/>
-          <a:chOff x="0" y="0"/>
-          <a:chExt cx="0" cy="0"/>
-        </a:xfrm>
-      </p:grpSpPr>
-      <p:sp>
-        <p:nvSpPr>
-          <p:cNvPr id="4" name="TextBox 3"/>
-          <p:cNvSpPr txBox="1"/>
-          <p:nvPr/>
-        </p:nvSpPr>
-        <p:spPr>
-          <a:xfrm>
-            <a:off x="1835696" y="2929071"/>
-            <a:ext cx="5112569" cy="553998"/>
-          </a:xfrm>
-          <a:prstGeom prst="rect">
-            <a:avLst/>
-          </a:prstGeom>
-          <a:noFill/>
-        </p:spPr>
-        <p:txBody>
-          <a:bodyPr wrap="square" rtlCol="0">
-            <a:spAutoFit/>
-          </a:bodyPr>
-          <a:lstStyle/>
-          <a:p>
-            <a:pPr algn="ctr"/>
-            <a:r>
-              <a:rPr lang="en-US" altLang="ko-KR" sz="3000" b="1" dirty="0">
-                <a:ln>
-                  <a:solidFill>
-                    <a:schemeClr val="bg1">
-                      <a:lumMod val="85000"/>
-                      <a:alpha val="30000"/>
-                    </a:schemeClr>
-                  </a:solidFill>
-                </a:ln>
-                <a:solidFill>
-                  <a:schemeClr val="bg1">
-                    <a:lumMod val="95000"/>
-                  </a:schemeClr>
-                </a:solidFill>
-                <a:latin typeface="Yoon 윤고딕 520_TT" pitchFamily="18" charset="-127"/>
-                <a:ea typeface="Yoon 윤고딕 520_TT" pitchFamily="18" charset="-127"/>
-              </a:rPr>
-              <a:t>Process</a:t>
-            </a:r>
-            <a:r>
-              <a:rPr lang="ko-KR" altLang="en-US" sz="3000" b="1" dirty="0">
-                <a:ln>
-                  <a:solidFill>
-                    <a:schemeClr val="bg1">
-                      <a:lumMod val="85000"/>
-                      <a:alpha val="30000"/>
-                    </a:schemeClr>
-                  </a:solidFill>
-                </a:ln>
-                <a:solidFill>
-                  <a:schemeClr val="bg1">
-                    <a:lumMod val="95000"/>
-                  </a:schemeClr>
-                </a:solidFill>
-                <a:latin typeface="Yoon 윤고딕 520_TT" pitchFamily="18" charset="-127"/>
-                <a:ea typeface="Yoon 윤고딕 520_TT" pitchFamily="18" charset="-127"/>
-              </a:rPr>
-              <a:t> </a:t>
-            </a:r>
-            <a:r>
-              <a:rPr lang="en-US" altLang="ko-KR" sz="3000" b="1" dirty="0">
-                <a:ln>
-                  <a:solidFill>
-                    <a:schemeClr val="bg1">
-                      <a:lumMod val="85000"/>
-                      <a:alpha val="30000"/>
-                    </a:schemeClr>
-                  </a:solidFill>
-                </a:ln>
-                <a:solidFill>
-                  <a:schemeClr val="bg1">
-                    <a:lumMod val="95000"/>
-                  </a:schemeClr>
-                </a:solidFill>
-                <a:latin typeface="Yoon 윤고딕 520_TT" pitchFamily="18" charset="-127"/>
-                <a:ea typeface="Yoon 윤고딕 520_TT" pitchFamily="18" charset="-127"/>
-              </a:rPr>
-              <a:t>Model </a:t>
-            </a:r>
-            <a:r>
-              <a:rPr lang="ko-KR" altLang="en-US" sz="3000" b="1" dirty="0">
-                <a:ln>
-                  <a:solidFill>
-                    <a:schemeClr val="bg1">
-                      <a:lumMod val="85000"/>
-                      <a:alpha val="30000"/>
-                    </a:schemeClr>
-                  </a:solidFill>
-                </a:ln>
-                <a:solidFill>
-                  <a:schemeClr val="bg1">
-                    <a:lumMod val="95000"/>
-                  </a:schemeClr>
-                </a:solidFill>
-                <a:latin typeface="Yoon 윤고딕 520_TT" pitchFamily="18" charset="-127"/>
-                <a:ea typeface="Yoon 윤고딕 520_TT" pitchFamily="18" charset="-127"/>
-              </a:rPr>
-              <a:t>및 개발 단계</a:t>
-            </a:r>
-            <a:endParaRPr lang="en-US" altLang="ko-KR" sz="3000" b="1" dirty="0">
-              <a:ln>
-                <a:solidFill>
-                  <a:schemeClr val="bg1">
-                    <a:lumMod val="85000"/>
-                    <a:alpha val="30000"/>
-                  </a:schemeClr>
-                </a:solidFill>
-              </a:ln>
-              <a:solidFill>
-                <a:schemeClr val="bg1">
-                  <a:lumMod val="95000"/>
-                </a:schemeClr>
-              </a:solidFill>
-              <a:latin typeface="Yoon 윤고딕 520_TT" pitchFamily="18" charset="-127"/>
-              <a:ea typeface="Yoon 윤고딕 520_TT" pitchFamily="18" charset="-127"/>
-            </a:endParaRPr>
-          </a:p>
-        </p:txBody>
-      </p:sp>
-    </p:spTree>
-    <p:extLst>
-      <p:ext uri="{BB962C8B-B14F-4D97-AF65-F5344CB8AC3E}">
-        <p14:creationId xmlns:p14="http://schemas.microsoft.com/office/powerpoint/2010/main" val="2818201740"/>
-      </p:ext>
-    </p:extLst>
-  </p:cSld>
-  <p:clrMapOvr>
-    <a:masterClrMapping/>
-  </p:clrMapOvr>
-  <mc:AlternateContent xmlns:mc="http://schemas.openxmlformats.org/markup-compatibility/2006" xmlns:p14="http://schemas.microsoft.com/office/powerpoint/2010/main">
-    <mc:Choice Requires="p14">
-      <p:transition spd="med" p14:dur="700">
-        <p:fade/>
-      </p:transition>
-    </mc:Choice>
-    <mc:Fallback xmlns="">
-      <p:transition spd="med">
-        <p:fade/>
-      </p:transition>
-    </mc:Fallback>
-  </mc:AlternateContent>
-</p:sld>
-</file>
-
-<file path=ppt/slides/slide18.xml><?xml version="1.0" encoding="utf-8"?>
-<p:sld xmlns:a="http://schemas.openxmlformats.org/drawingml/2006/main" xmlns:r="http://schemas.openxmlformats.org/officeDocument/2006/relationships" xmlns:p="http://schemas.openxmlformats.org/presentationml/2006/main">
-  <p:cSld>
-    <p:spTree>
-      <p:nvGrpSpPr>
-        <p:cNvPr id="1" name=""/>
-        <p:cNvGrpSpPr/>
-        <p:nvPr/>
-      </p:nvGrpSpPr>
-      <p:grpSpPr>
-        <a:xfrm>
-          <a:off x="0" y="0"/>
-          <a:ext cx="0" cy="0"/>
-          <a:chOff x="0" y="0"/>
-          <a:chExt cx="0" cy="0"/>
-        </a:xfrm>
-      </p:grpSpPr>
-      <p:cxnSp>
-        <p:nvCxnSpPr>
-          <p:cNvPr id="4" name="직선 연결선 3">
-            <a:extLst>
-              <a:ext uri="{FF2B5EF4-FFF2-40B4-BE49-F238E27FC236}">
-                <a16:creationId xmlns:a16="http://schemas.microsoft.com/office/drawing/2014/main" id="{D40E9CAD-CCC2-3D45-B3F0-FB6882154242}"/>
-              </a:ext>
-            </a:extLst>
-          </p:cNvPr>
-          <p:cNvCxnSpPr/>
-          <p:nvPr/>
-        </p:nvCxnSpPr>
-        <p:spPr>
-          <a:xfrm>
-            <a:off x="679558" y="-307239"/>
-            <a:ext cx="0" cy="7472476"/>
-          </a:xfrm>
-          <a:prstGeom prst="line">
-            <a:avLst/>
-          </a:prstGeom>
-          <a:ln>
-            <a:solidFill>
-              <a:schemeClr val="bg1">
-                <a:lumMod val="65000"/>
-                <a:alpha val="50000"/>
-              </a:schemeClr>
-            </a:solidFill>
-          </a:ln>
-        </p:spPr>
-        <p:style>
-          <a:lnRef idx="1">
-            <a:schemeClr val="accent1"/>
-          </a:lnRef>
-          <a:fillRef idx="0">
-            <a:schemeClr val="accent1"/>
-          </a:fillRef>
-          <a:effectRef idx="0">
-            <a:schemeClr val="accent1"/>
-          </a:effectRef>
-          <a:fontRef idx="minor">
-            <a:schemeClr val="tx1"/>
-          </a:fontRef>
-        </p:style>
-      </p:cxnSp>
-      <p:cxnSp>
-        <p:nvCxnSpPr>
-          <p:cNvPr id="5" name="직선 연결선 4">
-            <a:extLst>
-              <a:ext uri="{FF2B5EF4-FFF2-40B4-BE49-F238E27FC236}">
-                <a16:creationId xmlns:a16="http://schemas.microsoft.com/office/drawing/2014/main" id="{4DA05F5B-2DB7-A94E-92C7-EE47E2F57D6C}"/>
-              </a:ext>
-            </a:extLst>
-          </p:cNvPr>
-          <p:cNvCxnSpPr/>
-          <p:nvPr/>
-        </p:nvCxnSpPr>
-        <p:spPr>
-          <a:xfrm flipH="1">
-            <a:off x="683568" y="548680"/>
-            <a:ext cx="9295796" cy="0"/>
-          </a:xfrm>
-          <a:prstGeom prst="line">
-            <a:avLst/>
-          </a:prstGeom>
-          <a:ln>
-            <a:solidFill>
-              <a:schemeClr val="bg1">
-                <a:lumMod val="65000"/>
-                <a:alpha val="50000"/>
-              </a:schemeClr>
-            </a:solidFill>
-          </a:ln>
-        </p:spPr>
-        <p:style>
-          <a:lnRef idx="1">
-            <a:schemeClr val="accent1"/>
-          </a:lnRef>
-          <a:fillRef idx="0">
-            <a:schemeClr val="accent1"/>
-          </a:fillRef>
-          <a:effectRef idx="0">
-            <a:schemeClr val="accent1"/>
-          </a:effectRef>
-          <a:fontRef idx="minor">
-            <a:schemeClr val="tx1"/>
-          </a:fontRef>
-        </p:style>
-      </p:cxnSp>
-      <p:sp>
-        <p:nvSpPr>
-          <p:cNvPr id="6" name="TextBox 5">
-            <a:extLst>
-              <a:ext uri="{FF2B5EF4-FFF2-40B4-BE49-F238E27FC236}">
-                <a16:creationId xmlns:a16="http://schemas.microsoft.com/office/drawing/2014/main" id="{AFA7D2CE-1A1F-3140-BDE2-7C32E8B181DB}"/>
-              </a:ext>
-            </a:extLst>
-          </p:cNvPr>
-          <p:cNvSpPr txBox="1"/>
-          <p:nvPr/>
-        </p:nvSpPr>
-        <p:spPr>
-          <a:xfrm>
-            <a:off x="827584" y="161536"/>
-            <a:ext cx="2880313" cy="369332"/>
-          </a:xfrm>
-          <a:prstGeom prst="rect">
-            <a:avLst/>
-          </a:prstGeom>
-          <a:noFill/>
-        </p:spPr>
-        <p:txBody>
-          <a:bodyPr wrap="square" rtlCol="0">
-            <a:spAutoFit/>
-          </a:bodyPr>
-          <a:lstStyle/>
-          <a:p>
-            <a:pPr algn="ctr"/>
-            <a:r>
-              <a:rPr lang="en-US" altLang="ko-KR" dirty="0">
-                <a:ln>
-                  <a:solidFill>
-                    <a:schemeClr val="tx1">
-                      <a:alpha val="30000"/>
-                    </a:schemeClr>
-                  </a:solidFill>
-                </a:ln>
-                <a:solidFill>
-                  <a:srgbClr val="272123"/>
-                </a:solidFill>
-                <a:latin typeface="Yoon 윤고딕 520_TT" pitchFamily="18" charset="-127"/>
-                <a:ea typeface="Yoon 윤고딕 520_TT" pitchFamily="18" charset="-127"/>
-              </a:rPr>
-              <a:t>Process</a:t>
-            </a:r>
-            <a:r>
-              <a:rPr lang="ko-KR" altLang="en-US" dirty="0">
-                <a:ln>
-                  <a:solidFill>
-                    <a:schemeClr val="tx1">
-                      <a:alpha val="30000"/>
-                    </a:schemeClr>
-                  </a:solidFill>
-                </a:ln>
-                <a:solidFill>
-                  <a:srgbClr val="272123"/>
-                </a:solidFill>
-                <a:latin typeface="Yoon 윤고딕 520_TT" pitchFamily="18" charset="-127"/>
-                <a:ea typeface="Yoon 윤고딕 520_TT" pitchFamily="18" charset="-127"/>
-              </a:rPr>
-              <a:t> </a:t>
-            </a:r>
-            <a:r>
-              <a:rPr lang="en-US" altLang="ko-KR" dirty="0">
-                <a:ln>
-                  <a:solidFill>
-                    <a:schemeClr val="tx1">
-                      <a:alpha val="30000"/>
-                    </a:schemeClr>
-                  </a:solidFill>
-                </a:ln>
-                <a:solidFill>
-                  <a:srgbClr val="272123"/>
-                </a:solidFill>
-                <a:latin typeface="Yoon 윤고딕 520_TT" pitchFamily="18" charset="-127"/>
-                <a:ea typeface="Yoon 윤고딕 520_TT" pitchFamily="18" charset="-127"/>
-              </a:rPr>
-              <a:t>model</a:t>
-            </a:r>
-            <a:r>
-              <a:rPr lang="ko-KR" altLang="en-US" dirty="0">
-                <a:ln>
-                  <a:solidFill>
-                    <a:schemeClr val="tx1">
-                      <a:alpha val="30000"/>
-                    </a:schemeClr>
-                  </a:solidFill>
-                </a:ln>
-                <a:solidFill>
-                  <a:srgbClr val="272123"/>
-                </a:solidFill>
-                <a:latin typeface="Yoon 윤고딕 520_TT" pitchFamily="18" charset="-127"/>
-                <a:ea typeface="Yoon 윤고딕 520_TT" pitchFamily="18" charset="-127"/>
-              </a:rPr>
-              <a:t> </a:t>
-            </a:r>
-            <a:r>
-              <a:rPr lang="en-US" altLang="ko-KR" dirty="0">
-                <a:ln>
-                  <a:solidFill>
-                    <a:schemeClr val="tx1">
-                      <a:alpha val="30000"/>
-                    </a:schemeClr>
-                  </a:solidFill>
-                </a:ln>
-                <a:solidFill>
-                  <a:srgbClr val="272123"/>
-                </a:solidFill>
-                <a:latin typeface="Yoon 윤고딕 520_TT" pitchFamily="18" charset="-127"/>
-                <a:ea typeface="Yoon 윤고딕 520_TT" pitchFamily="18" charset="-127"/>
-              </a:rPr>
-              <a:t>(</a:t>
-            </a:r>
-            <a:r>
-              <a:rPr lang="ko-KR" altLang="en-US" dirty="0">
-                <a:ln>
-                  <a:solidFill>
-                    <a:schemeClr val="tx1">
-                      <a:alpha val="30000"/>
-                    </a:schemeClr>
-                  </a:solidFill>
-                </a:ln>
-                <a:solidFill>
-                  <a:srgbClr val="272123"/>
-                </a:solidFill>
-                <a:latin typeface="Yoon 윤고딕 520_TT" pitchFamily="18" charset="-127"/>
-                <a:ea typeface="Yoon 윤고딕 520_TT" pitchFamily="18" charset="-127"/>
-              </a:rPr>
-              <a:t>변경</a:t>
-            </a:r>
-            <a:r>
-              <a:rPr lang="en-US" altLang="ko-KR" dirty="0">
-                <a:ln>
-                  <a:solidFill>
-                    <a:schemeClr val="tx1">
-                      <a:alpha val="30000"/>
-                    </a:schemeClr>
-                  </a:solidFill>
-                </a:ln>
-                <a:solidFill>
-                  <a:srgbClr val="272123"/>
-                </a:solidFill>
-                <a:latin typeface="Yoon 윤고딕 520_TT" pitchFamily="18" charset="-127"/>
-                <a:ea typeface="Yoon 윤고딕 520_TT" pitchFamily="18" charset="-127"/>
-              </a:rPr>
-              <a:t>)</a:t>
-            </a:r>
-          </a:p>
-        </p:txBody>
-      </p:sp>
-      <p:sp>
-        <p:nvSpPr>
-          <p:cNvPr id="7" name="직사각형 8">
-            <a:extLst>
-              <a:ext uri="{FF2B5EF4-FFF2-40B4-BE49-F238E27FC236}">
-                <a16:creationId xmlns:a16="http://schemas.microsoft.com/office/drawing/2014/main" id="{8D95BCB1-2C52-E24F-AA8A-1D03B6D9263E}"/>
-              </a:ext>
-            </a:extLst>
-          </p:cNvPr>
-          <p:cNvSpPr/>
-          <p:nvPr/>
-        </p:nvSpPr>
-        <p:spPr>
-          <a:xfrm>
-            <a:off x="2433" y="882386"/>
-            <a:ext cx="834325" cy="343501"/>
-          </a:xfrm>
-          <a:prstGeom prst="rect">
-            <a:avLst/>
-          </a:prstGeom>
-          <a:solidFill>
-            <a:srgbClr val="272123"/>
-          </a:solidFill>
-          <a:ln>
-            <a:noFill/>
-          </a:ln>
-        </p:spPr>
-        <p:style>
-          <a:lnRef idx="2">
-            <a:schemeClr val="accent1">
-              <a:shade val="50000"/>
-            </a:schemeClr>
-          </a:lnRef>
-          <a:fillRef idx="1">
-            <a:schemeClr val="accent1"/>
-          </a:fillRef>
-          <a:effectRef idx="0">
-            <a:schemeClr val="accent1"/>
-          </a:effectRef>
-          <a:fontRef idx="minor">
-            <a:schemeClr val="lt1"/>
-          </a:fontRef>
-        </p:style>
-        <p:txBody>
-          <a:bodyPr rtlCol="0" anchor="ctr"/>
-          <a:lstStyle/>
-          <a:p>
-            <a:pPr algn="ctr"/>
-            <a:endParaRPr lang="ko-KR" altLang="en-US"/>
-          </a:p>
-        </p:txBody>
-      </p:sp>
-      <p:sp>
-        <p:nvSpPr>
-          <p:cNvPr id="8" name="직각 삼각형 9">
-            <a:extLst>
-              <a:ext uri="{FF2B5EF4-FFF2-40B4-BE49-F238E27FC236}">
-                <a16:creationId xmlns:a16="http://schemas.microsoft.com/office/drawing/2014/main" id="{0F865C47-191E-3647-9E82-D217576A69A7}"/>
-              </a:ext>
-            </a:extLst>
-          </p:cNvPr>
-          <p:cNvSpPr/>
-          <p:nvPr/>
-        </p:nvSpPr>
-        <p:spPr>
-          <a:xfrm rot="5400000">
-            <a:off x="718128" y="1210699"/>
-            <a:ext cx="81142" cy="108000"/>
-          </a:xfrm>
-          <a:prstGeom prst="rtTriangle">
-            <a:avLst/>
-          </a:prstGeom>
-          <a:solidFill>
-            <a:schemeClr val="tx1"/>
-          </a:solidFill>
-          <a:ln>
-            <a:solidFill>
-              <a:schemeClr val="tx1"/>
-            </a:solidFill>
-          </a:ln>
-        </p:spPr>
-        <p:style>
-          <a:lnRef idx="2">
-            <a:schemeClr val="accent1">
-              <a:shade val="50000"/>
-            </a:schemeClr>
-          </a:lnRef>
-          <a:fillRef idx="1">
-            <a:schemeClr val="accent1"/>
-          </a:fillRef>
-          <a:effectRef idx="0">
-            <a:schemeClr val="accent1"/>
-          </a:effectRef>
-          <a:fontRef idx="minor">
-            <a:schemeClr val="lt1"/>
-          </a:fontRef>
-        </p:style>
-        <p:txBody>
-          <a:bodyPr rtlCol="0" anchor="ctr"/>
-          <a:lstStyle/>
-          <a:p>
-            <a:pPr algn="ctr"/>
-            <a:endParaRPr lang="ko-KR" altLang="en-US"/>
-          </a:p>
-        </p:txBody>
-      </p:sp>
-      <p:sp>
-        <p:nvSpPr>
-          <p:cNvPr id="9" name="TextBox 8">
-            <a:extLst>
-              <a:ext uri="{FF2B5EF4-FFF2-40B4-BE49-F238E27FC236}">
-                <a16:creationId xmlns:a16="http://schemas.microsoft.com/office/drawing/2014/main" id="{801A20DE-A5E5-6841-9A4A-46328466457B}"/>
-              </a:ext>
-            </a:extLst>
-          </p:cNvPr>
-          <p:cNvSpPr txBox="1"/>
-          <p:nvPr/>
-        </p:nvSpPr>
-        <p:spPr>
-          <a:xfrm>
-            <a:off x="123549" y="882386"/>
-            <a:ext cx="541363" cy="338554"/>
-          </a:xfrm>
-          <a:prstGeom prst="rect">
-            <a:avLst/>
-          </a:prstGeom>
-          <a:noFill/>
-        </p:spPr>
-        <p:txBody>
-          <a:bodyPr wrap="square" rtlCol="0">
-            <a:spAutoFit/>
-          </a:bodyPr>
-          <a:lstStyle/>
-          <a:p>
-            <a:r>
-              <a:rPr lang="en-US" altLang="ko-KR" sz="1600" b="1" dirty="0">
-                <a:ln>
-                  <a:solidFill>
-                    <a:schemeClr val="tx1">
-                      <a:alpha val="30000"/>
-                    </a:schemeClr>
-                  </a:solidFill>
-                </a:ln>
-                <a:solidFill>
-                  <a:schemeClr val="bg1">
-                    <a:lumMod val="85000"/>
-                  </a:schemeClr>
-                </a:solidFill>
-                <a:latin typeface="Yoon 윤고딕 520_TT" pitchFamily="18" charset="-127"/>
-                <a:ea typeface="Yoon 윤고딕 520_TT" pitchFamily="18" charset="-127"/>
-              </a:rPr>
-              <a:t>01</a:t>
-            </a:r>
-          </a:p>
-        </p:txBody>
-      </p:sp>
-      <p:sp>
-        <p:nvSpPr>
-          <p:cNvPr id="10" name="TextBox 9">
-            <a:extLst>
-              <a:ext uri="{FF2B5EF4-FFF2-40B4-BE49-F238E27FC236}">
-                <a16:creationId xmlns:a16="http://schemas.microsoft.com/office/drawing/2014/main" id="{05069130-41E4-3942-9570-CB572E5874B1}"/>
-              </a:ext>
-            </a:extLst>
-          </p:cNvPr>
-          <p:cNvSpPr txBox="1"/>
-          <p:nvPr/>
-        </p:nvSpPr>
-        <p:spPr>
-          <a:xfrm>
-            <a:off x="946157" y="724142"/>
-            <a:ext cx="8074285" cy="5791778"/>
-          </a:xfrm>
-          <a:prstGeom prst="rect">
-            <a:avLst/>
-          </a:prstGeom>
-          <a:noFill/>
-        </p:spPr>
-        <p:txBody>
-          <a:bodyPr wrap="square" rtlCol="0">
-            <a:spAutoFit/>
-          </a:bodyPr>
-          <a:lstStyle/>
-          <a:p>
-            <a:pPr marL="342900" indent="-342900">
-              <a:lnSpc>
-                <a:spcPct val="150000"/>
-              </a:lnSpc>
-              <a:buFont typeface="Arial" panose="020B0604020202020204" pitchFamily="34" charset="0"/>
-              <a:buChar char="•"/>
-            </a:pPr>
-            <a:r>
-              <a:rPr lang="en-US" altLang="ko-KR" sz="2400" dirty="0"/>
-              <a:t>Prototyping </a:t>
-            </a:r>
-            <a:r>
-              <a:rPr lang="ko-KR" altLang="en-US" sz="2400" dirty="0"/>
-              <a:t>사용</a:t>
-            </a:r>
-            <a:endParaRPr lang="en-US" altLang="ko-KR" sz="2400" dirty="0"/>
-          </a:p>
-          <a:p>
-            <a:pPr>
-              <a:lnSpc>
-                <a:spcPct val="150000"/>
-              </a:lnSpc>
-            </a:pPr>
-            <a:endParaRPr lang="en-US" altLang="ko-KR" sz="1000" dirty="0"/>
-          </a:p>
-          <a:p>
-            <a:pPr>
-              <a:lnSpc>
-                <a:spcPct val="150000"/>
-              </a:lnSpc>
-            </a:pPr>
-            <a:r>
-              <a:rPr lang="ko-KR" altLang="en-US" sz="2400" dirty="0">
-                <a:highlight>
-                  <a:srgbClr val="C0C0C0"/>
-                </a:highlight>
-              </a:rPr>
-              <a:t>단계별 개발 내용</a:t>
-            </a:r>
-            <a:endParaRPr lang="en-US" altLang="ko-KR" sz="2400" dirty="0">
-              <a:highlight>
-                <a:srgbClr val="C0C0C0"/>
-              </a:highlight>
-            </a:endParaRPr>
-          </a:p>
-          <a:p>
-            <a:pPr marL="457200" indent="-457200">
-              <a:lnSpc>
-                <a:spcPct val="150000"/>
-              </a:lnSpc>
-              <a:buAutoNum type="arabicPeriod"/>
-            </a:pPr>
-            <a:r>
-              <a:rPr lang="ko-KR" altLang="en-US" sz="2400" dirty="0"/>
-              <a:t>기존 프로그램 분석</a:t>
-            </a:r>
-            <a:endParaRPr lang="en-US" altLang="ko-KR" sz="2400" dirty="0"/>
-          </a:p>
-          <a:p>
-            <a:pPr marL="457200" indent="-457200">
-              <a:lnSpc>
-                <a:spcPct val="150000"/>
-              </a:lnSpc>
-              <a:buAutoNum type="arabicPeriod" startAt="2"/>
-            </a:pPr>
-            <a:r>
-              <a:rPr lang="en-US" altLang="ko-KR" sz="2400" dirty="0"/>
-              <a:t>web </a:t>
-            </a:r>
-            <a:r>
-              <a:rPr lang="ko-KR" altLang="en-US" sz="2400" dirty="0"/>
-              <a:t>기반의 인터페이스 구성</a:t>
-            </a:r>
-            <a:endParaRPr lang="en-US" altLang="ko-KR" sz="2400" dirty="0"/>
-          </a:p>
-          <a:p>
-            <a:pPr>
-              <a:lnSpc>
-                <a:spcPct val="150000"/>
-              </a:lnSpc>
-            </a:pPr>
-            <a:r>
-              <a:rPr lang="en-US" altLang="ko-KR" sz="2400" dirty="0"/>
-              <a:t>3.</a:t>
-            </a:r>
-            <a:r>
-              <a:rPr lang="ko-KR" altLang="en-US" sz="2400" dirty="0"/>
-              <a:t> </a:t>
-            </a:r>
-            <a:r>
-              <a:rPr lang="en-US" altLang="ko-KR" sz="2400" dirty="0"/>
-              <a:t> DB </a:t>
-            </a:r>
-            <a:r>
-              <a:rPr lang="ko-KR" altLang="en-US" sz="2400" dirty="0"/>
-              <a:t>모델 설계 및 구현</a:t>
-            </a:r>
-            <a:endParaRPr lang="en-US" altLang="ko-KR" sz="1200" dirty="0"/>
-          </a:p>
-          <a:p>
-            <a:pPr marL="457200" indent="-457200">
-              <a:lnSpc>
-                <a:spcPct val="150000"/>
-              </a:lnSpc>
-              <a:buAutoNum type="arabicPeriod" startAt="4"/>
-            </a:pPr>
-            <a:r>
-              <a:rPr lang="en-US" altLang="ko-KR" sz="2400" dirty="0"/>
-              <a:t>Web</a:t>
-            </a:r>
-            <a:r>
-              <a:rPr lang="ko-KR" altLang="en-US" sz="2400" dirty="0"/>
-              <a:t>프로그램의 기능 구현 및 </a:t>
-            </a:r>
-            <a:r>
-              <a:rPr lang="en-US" altLang="ko-KR" sz="2400" dirty="0"/>
-              <a:t>DB </a:t>
-            </a:r>
-            <a:r>
-              <a:rPr lang="ko-KR" altLang="en-US" sz="2400" dirty="0"/>
-              <a:t>연결</a:t>
-            </a:r>
-            <a:endParaRPr lang="en-US" altLang="ko-KR" sz="2400" dirty="0"/>
-          </a:p>
-          <a:p>
-            <a:pPr marL="457200" indent="-457200">
-              <a:lnSpc>
-                <a:spcPct val="150000"/>
-              </a:lnSpc>
-              <a:buAutoNum type="arabicPeriod" startAt="4"/>
-            </a:pPr>
-            <a:r>
-              <a:rPr lang="ko-KR" altLang="en-US" sz="2400" dirty="0"/>
-              <a:t>추가 기능 구현</a:t>
-            </a:r>
-            <a:endParaRPr lang="en-US" altLang="ko-KR" sz="2400" dirty="0"/>
-          </a:p>
-          <a:p>
-            <a:pPr lvl="1">
-              <a:lnSpc>
-                <a:spcPct val="150000"/>
-              </a:lnSpc>
-            </a:pPr>
-            <a:r>
-              <a:rPr lang="en-US" altLang="ko-KR" sz="2400" dirty="0"/>
-              <a:t>1. </a:t>
-            </a:r>
-            <a:r>
-              <a:rPr lang="ko-KR" altLang="en-US" sz="2400" dirty="0"/>
-              <a:t>회원가입 및 로그인</a:t>
-            </a:r>
-            <a:endParaRPr lang="en-US" altLang="ko-KR" sz="2400" dirty="0"/>
-          </a:p>
-          <a:p>
-            <a:pPr lvl="1">
-              <a:lnSpc>
-                <a:spcPct val="150000"/>
-              </a:lnSpc>
-            </a:pPr>
-            <a:r>
-              <a:rPr lang="en-US" altLang="ko-KR" sz="2400" dirty="0"/>
-              <a:t>2. </a:t>
-            </a:r>
-            <a:r>
-              <a:rPr lang="ko-KR" altLang="en-US" sz="2400" dirty="0"/>
-              <a:t>검색</a:t>
-            </a:r>
-            <a:r>
-              <a:rPr lang="en-US" altLang="ko-KR" sz="2400" dirty="0"/>
-              <a:t>, </a:t>
-            </a:r>
-            <a:r>
-              <a:rPr lang="ko-KR" altLang="en-US" sz="2400" dirty="0" err="1"/>
-              <a:t>별점</a:t>
-            </a:r>
-            <a:r>
-              <a:rPr lang="en-US" altLang="ko-KR" sz="2400" dirty="0"/>
-              <a:t>, </a:t>
-            </a:r>
-            <a:r>
-              <a:rPr lang="ko-KR" altLang="en-US" sz="2400" dirty="0"/>
-              <a:t>후기</a:t>
-            </a:r>
-            <a:endParaRPr lang="en-US" altLang="ko-KR" sz="2400" dirty="0"/>
-          </a:p>
-          <a:p>
-            <a:pPr lvl="1">
-              <a:lnSpc>
-                <a:spcPct val="150000"/>
-              </a:lnSpc>
-            </a:pPr>
-            <a:r>
-              <a:rPr lang="en-US" altLang="ko-KR" sz="2400" dirty="0"/>
-              <a:t>3. </a:t>
-            </a:r>
-            <a:r>
-              <a:rPr lang="ko-KR" altLang="en-US" sz="2400" dirty="0"/>
-              <a:t>신고하기</a:t>
-            </a:r>
-            <a:endParaRPr lang="en-US" altLang="ko-KR" sz="2400" dirty="0"/>
-          </a:p>
-        </p:txBody>
-      </p:sp>
-      <p:sp>
-        <p:nvSpPr>
-          <p:cNvPr id="11" name="직각 삼각형 9">
-            <a:extLst>
-              <a:ext uri="{FF2B5EF4-FFF2-40B4-BE49-F238E27FC236}">
-                <a16:creationId xmlns:a16="http://schemas.microsoft.com/office/drawing/2014/main" id="{EBE6DB46-2078-E642-99E9-1DE36109D8E5}"/>
-              </a:ext>
-            </a:extLst>
-          </p:cNvPr>
-          <p:cNvSpPr/>
-          <p:nvPr/>
-        </p:nvSpPr>
-        <p:spPr>
-          <a:xfrm rot="5400000">
-            <a:off x="718128" y="1210699"/>
-            <a:ext cx="81142" cy="108000"/>
-          </a:xfrm>
-          <a:prstGeom prst="rtTriangle">
-            <a:avLst/>
-          </a:prstGeom>
-          <a:solidFill>
-            <a:schemeClr val="tx1"/>
-          </a:solidFill>
-          <a:ln>
-            <a:solidFill>
-              <a:schemeClr val="tx1"/>
-            </a:solidFill>
-          </a:ln>
-        </p:spPr>
-        <p:style>
-          <a:lnRef idx="2">
-            <a:schemeClr val="accent1">
-              <a:shade val="50000"/>
-            </a:schemeClr>
-          </a:lnRef>
-          <a:fillRef idx="1">
-            <a:schemeClr val="accent1"/>
-          </a:fillRef>
-          <a:effectRef idx="0">
-            <a:schemeClr val="accent1"/>
-          </a:effectRef>
-          <a:fontRef idx="minor">
-            <a:schemeClr val="lt1"/>
-          </a:fontRef>
-        </p:style>
-        <p:txBody>
-          <a:bodyPr rtlCol="0" anchor="ctr"/>
-          <a:lstStyle/>
-          <a:p>
-            <a:pPr algn="ctr"/>
-            <a:endParaRPr lang="ko-KR" altLang="en-US"/>
-          </a:p>
-        </p:txBody>
-      </p:sp>
-      <p:sp>
-        <p:nvSpPr>
-          <p:cNvPr id="12" name="직사각형 8">
-            <a:extLst>
-              <a:ext uri="{FF2B5EF4-FFF2-40B4-BE49-F238E27FC236}">
-                <a16:creationId xmlns:a16="http://schemas.microsoft.com/office/drawing/2014/main" id="{D20FA72C-9357-E94E-B469-445CA6C55939}"/>
-              </a:ext>
-            </a:extLst>
-          </p:cNvPr>
-          <p:cNvSpPr/>
-          <p:nvPr/>
-        </p:nvSpPr>
-        <p:spPr>
-          <a:xfrm>
-            <a:off x="-9283" y="877188"/>
-            <a:ext cx="834325" cy="343501"/>
-          </a:xfrm>
-          <a:prstGeom prst="rect">
-            <a:avLst/>
-          </a:prstGeom>
-          <a:solidFill>
-            <a:srgbClr val="272123"/>
-          </a:solidFill>
-          <a:ln>
-            <a:noFill/>
-          </a:ln>
-        </p:spPr>
-        <p:style>
-          <a:lnRef idx="2">
-            <a:schemeClr val="accent1">
-              <a:shade val="50000"/>
-            </a:schemeClr>
-          </a:lnRef>
-          <a:fillRef idx="1">
-            <a:schemeClr val="accent1"/>
-          </a:fillRef>
-          <a:effectRef idx="0">
-            <a:schemeClr val="accent1"/>
-          </a:effectRef>
-          <a:fontRef idx="minor">
-            <a:schemeClr val="lt1"/>
-          </a:fontRef>
-        </p:style>
-        <p:txBody>
-          <a:bodyPr rtlCol="0" anchor="ctr"/>
-          <a:lstStyle/>
-          <a:p>
-            <a:pPr algn="ctr"/>
-            <a:endParaRPr lang="ko-KR" altLang="en-US"/>
-          </a:p>
-        </p:txBody>
-      </p:sp>
-      <p:sp>
-        <p:nvSpPr>
-          <p:cNvPr id="13" name="직각 삼각형 9">
-            <a:extLst>
-              <a:ext uri="{FF2B5EF4-FFF2-40B4-BE49-F238E27FC236}">
-                <a16:creationId xmlns:a16="http://schemas.microsoft.com/office/drawing/2014/main" id="{887F040D-C457-CD4B-9572-99DFF4913DD8}"/>
-              </a:ext>
-            </a:extLst>
-          </p:cNvPr>
-          <p:cNvSpPr/>
-          <p:nvPr/>
-        </p:nvSpPr>
-        <p:spPr>
-          <a:xfrm rot="5400000">
-            <a:off x="702755" y="1207262"/>
-            <a:ext cx="81142" cy="108000"/>
-          </a:xfrm>
-          <a:prstGeom prst="rtTriangle">
-            <a:avLst/>
-          </a:prstGeom>
-          <a:solidFill>
-            <a:schemeClr val="tx1"/>
-          </a:solidFill>
-          <a:ln>
-            <a:solidFill>
-              <a:schemeClr val="tx1"/>
-            </a:solidFill>
-          </a:ln>
-        </p:spPr>
-        <p:style>
-          <a:lnRef idx="2">
-            <a:schemeClr val="accent1">
-              <a:shade val="50000"/>
-            </a:schemeClr>
-          </a:lnRef>
-          <a:fillRef idx="1">
-            <a:schemeClr val="accent1"/>
-          </a:fillRef>
-          <a:effectRef idx="0">
-            <a:schemeClr val="accent1"/>
-          </a:effectRef>
-          <a:fontRef idx="minor">
-            <a:schemeClr val="lt1"/>
-          </a:fontRef>
-        </p:style>
-        <p:txBody>
-          <a:bodyPr rtlCol="0" anchor="ctr"/>
-          <a:lstStyle/>
-          <a:p>
-            <a:pPr algn="ctr"/>
-            <a:endParaRPr lang="ko-KR" altLang="en-US"/>
-          </a:p>
-        </p:txBody>
-      </p:sp>
-      <p:sp>
-        <p:nvSpPr>
-          <p:cNvPr id="14" name="TextBox 13">
-            <a:extLst>
-              <a:ext uri="{FF2B5EF4-FFF2-40B4-BE49-F238E27FC236}">
-                <a16:creationId xmlns:a16="http://schemas.microsoft.com/office/drawing/2014/main" id="{5922AC44-72D6-CD40-8089-FA567ED5412B}"/>
-              </a:ext>
-            </a:extLst>
-          </p:cNvPr>
-          <p:cNvSpPr txBox="1"/>
-          <p:nvPr/>
-        </p:nvSpPr>
-        <p:spPr>
-          <a:xfrm>
-            <a:off x="123549" y="882386"/>
-            <a:ext cx="541363" cy="338554"/>
-          </a:xfrm>
-          <a:prstGeom prst="rect">
-            <a:avLst/>
-          </a:prstGeom>
-          <a:noFill/>
-        </p:spPr>
-        <p:txBody>
-          <a:bodyPr wrap="square" rtlCol="0">
-            <a:spAutoFit/>
-          </a:bodyPr>
-          <a:lstStyle/>
-          <a:p>
-            <a:r>
-              <a:rPr lang="en-US" altLang="ko-KR" sz="1600" b="1" dirty="0">
-                <a:ln>
-                  <a:solidFill>
-                    <a:schemeClr val="bg1">
-                      <a:lumMod val="75000"/>
-                      <a:alpha val="30000"/>
-                    </a:schemeClr>
-                  </a:solidFill>
-                </a:ln>
-                <a:solidFill>
-                  <a:schemeClr val="bg1">
-                    <a:lumMod val="75000"/>
-                  </a:schemeClr>
-                </a:solidFill>
-                <a:latin typeface="Yoon 윤고딕 520_TT" pitchFamily="18" charset="-127"/>
-                <a:ea typeface="Yoon 윤고딕 520_TT" pitchFamily="18" charset="-127"/>
-              </a:rPr>
-              <a:t>01</a:t>
-            </a:r>
-          </a:p>
-        </p:txBody>
-      </p:sp>
-      <p:sp>
-        <p:nvSpPr>
-          <p:cNvPr id="16" name="TextBox 15">
-            <a:extLst>
-              <a:ext uri="{FF2B5EF4-FFF2-40B4-BE49-F238E27FC236}">
-                <a16:creationId xmlns:a16="http://schemas.microsoft.com/office/drawing/2014/main" id="{558C40EB-071A-D941-8EC2-D1821BE40550}"/>
-              </a:ext>
-            </a:extLst>
-          </p:cNvPr>
-          <p:cNvSpPr txBox="1"/>
-          <p:nvPr/>
-        </p:nvSpPr>
-        <p:spPr>
-          <a:xfrm>
-            <a:off x="954593" y="4280598"/>
-            <a:ext cx="184731" cy="369332"/>
-          </a:xfrm>
-          <a:prstGeom prst="rect">
-            <a:avLst/>
-          </a:prstGeom>
-          <a:noFill/>
-        </p:spPr>
-        <p:txBody>
-          <a:bodyPr wrap="none" rtlCol="0">
-            <a:spAutoFit/>
-          </a:bodyPr>
-          <a:lstStyle/>
-          <a:p>
-            <a:endParaRPr lang="en-US" dirty="0"/>
-          </a:p>
-        </p:txBody>
-      </p:sp>
-    </p:spTree>
-    <p:extLst>
-      <p:ext uri="{BB962C8B-B14F-4D97-AF65-F5344CB8AC3E}">
-        <p14:creationId xmlns:p14="http://schemas.microsoft.com/office/powerpoint/2010/main" val="2929990286"/>
-      </p:ext>
-    </p:extLst>
-  </p:cSld>
-  <p:clrMapOvr>
-    <a:masterClrMapping/>
-  </p:clrMapOvr>
-</p:sld>
-</file>
-
-<file path=ppt/slides/slide19.xml><?xml version="1.0" encoding="utf-8"?>
-<p:sld xmlns:a="http://schemas.openxmlformats.org/drawingml/2006/main" xmlns:r="http://schemas.openxmlformats.org/officeDocument/2006/relationships" xmlns:p="http://schemas.openxmlformats.org/presentationml/2006/main">
-  <p:cSld>
-    <p:bg>
-      <p:bgPr>
-        <a:solidFill>
-          <a:srgbClr val="272123"/>
-        </a:solidFill>
-        <a:effectLst/>
-      </p:bgPr>
-    </p:bg>
-    <p:spTree>
-      <p:nvGrpSpPr>
-        <p:cNvPr id="1" name=""/>
-        <p:cNvGrpSpPr/>
-        <p:nvPr/>
-      </p:nvGrpSpPr>
-      <p:grpSpPr>
-        <a:xfrm>
-          <a:off x="0" y="0"/>
-          <a:ext cx="0" cy="0"/>
-          <a:chOff x="0" y="0"/>
-          <a:chExt cx="0" cy="0"/>
-        </a:xfrm>
-      </p:grpSpPr>
-      <p:sp>
-        <p:nvSpPr>
-          <p:cNvPr id="4" name="TextBox 3"/>
-          <p:cNvSpPr txBox="1"/>
-          <p:nvPr/>
-        </p:nvSpPr>
-        <p:spPr>
-          <a:xfrm>
-            <a:off x="683568" y="3075057"/>
-            <a:ext cx="3333024" cy="707886"/>
-          </a:xfrm>
-          <a:prstGeom prst="rect">
-            <a:avLst/>
-          </a:prstGeom>
-          <a:noFill/>
-        </p:spPr>
-        <p:txBody>
-          <a:bodyPr wrap="square" rtlCol="0">
-            <a:spAutoFit/>
-          </a:bodyPr>
-          <a:lstStyle/>
-          <a:p>
-            <a:r>
-              <a:rPr lang="en-US" altLang="ko-KR" sz="4000" b="1" dirty="0">
-                <a:ln>
-                  <a:solidFill>
-                    <a:schemeClr val="bg1">
-                      <a:lumMod val="85000"/>
-                      <a:alpha val="30000"/>
-                    </a:schemeClr>
-                  </a:solidFill>
-                </a:ln>
-                <a:solidFill>
-                  <a:schemeClr val="bg1">
-                    <a:lumMod val="95000"/>
-                  </a:schemeClr>
-                </a:solidFill>
-                <a:latin typeface="Yoon 윤고딕 520_TT" pitchFamily="18" charset="-127"/>
-                <a:ea typeface="Yoon 윤고딕 520_TT" pitchFamily="18" charset="-127"/>
-              </a:rPr>
-              <a:t>Thank you</a:t>
-            </a:r>
-          </a:p>
-        </p:txBody>
-      </p:sp>
-    </p:spTree>
-    <p:extLst>
-      <p:ext uri="{BB962C8B-B14F-4D97-AF65-F5344CB8AC3E}">
-        <p14:creationId xmlns:p14="http://schemas.microsoft.com/office/powerpoint/2010/main" val="2970008273"/>
       </p:ext>
     </p:extLst>
   </p:cSld>
@@ -9916,6 +10843,1173 @@
     <p:extLst>
       <p:ext uri="{BB962C8B-B14F-4D97-AF65-F5344CB8AC3E}">
         <p14:creationId xmlns:p14="http://schemas.microsoft.com/office/powerpoint/2010/main" val="855986350"/>
+      </p:ext>
+    </p:extLst>
+  </p:cSld>
+  <p:clrMapOvr>
+    <a:masterClrMapping/>
+  </p:clrMapOvr>
+  <mc:AlternateContent xmlns:mc="http://schemas.openxmlformats.org/markup-compatibility/2006" xmlns:p14="http://schemas.microsoft.com/office/powerpoint/2010/main">
+    <mc:Choice Requires="p14">
+      <p:transition spd="med" p14:dur="700">
+        <p:fade/>
+      </p:transition>
+    </mc:Choice>
+    <mc:Fallback xmlns="">
+      <p:transition spd="med">
+        <p:fade/>
+      </p:transition>
+    </mc:Fallback>
+  </mc:AlternateContent>
+</p:sld>
+</file>
+
+<file path=ppt/slides/slide20.xml><?xml version="1.0" encoding="utf-8"?>
+<p:sld xmlns:a="http://schemas.openxmlformats.org/drawingml/2006/main" xmlns:r="http://schemas.openxmlformats.org/officeDocument/2006/relationships" xmlns:p="http://schemas.openxmlformats.org/presentationml/2006/main">
+  <p:cSld>
+    <p:bg>
+      <p:bgPr>
+        <a:solidFill>
+          <a:schemeClr val="tx1"/>
+        </a:solidFill>
+        <a:effectLst/>
+      </p:bgPr>
+    </p:bg>
+    <p:spTree>
+      <p:nvGrpSpPr>
+        <p:cNvPr id="1" name=""/>
+        <p:cNvGrpSpPr/>
+        <p:nvPr/>
+      </p:nvGrpSpPr>
+      <p:grpSpPr>
+        <a:xfrm>
+          <a:off x="0" y="0"/>
+          <a:ext cx="0" cy="0"/>
+          <a:chOff x="0" y="0"/>
+          <a:chExt cx="0" cy="0"/>
+        </a:xfrm>
+      </p:grpSpPr>
+      <p:sp>
+        <p:nvSpPr>
+          <p:cNvPr id="4" name="TextBox 3"/>
+          <p:cNvSpPr txBox="1"/>
+          <p:nvPr/>
+        </p:nvSpPr>
+        <p:spPr>
+          <a:xfrm>
+            <a:off x="1835696" y="2929071"/>
+            <a:ext cx="5112569" cy="553998"/>
+          </a:xfrm>
+          <a:prstGeom prst="rect">
+            <a:avLst/>
+          </a:prstGeom>
+          <a:noFill/>
+        </p:spPr>
+        <p:txBody>
+          <a:bodyPr wrap="square" rtlCol="0">
+            <a:spAutoFit/>
+          </a:bodyPr>
+          <a:lstStyle/>
+          <a:p>
+            <a:pPr algn="ctr"/>
+            <a:r>
+              <a:rPr lang="en-US" altLang="ko-KR" sz="3000" b="1" dirty="0">
+                <a:ln>
+                  <a:solidFill>
+                    <a:schemeClr val="bg1">
+                      <a:lumMod val="85000"/>
+                      <a:alpha val="30000"/>
+                    </a:schemeClr>
+                  </a:solidFill>
+                </a:ln>
+                <a:solidFill>
+                  <a:schemeClr val="bg1">
+                    <a:lumMod val="95000"/>
+                  </a:schemeClr>
+                </a:solidFill>
+                <a:latin typeface="Yoon 윤고딕 520_TT" pitchFamily="18" charset="-127"/>
+                <a:ea typeface="Yoon 윤고딕 520_TT" pitchFamily="18" charset="-127"/>
+              </a:rPr>
+              <a:t>Process</a:t>
+            </a:r>
+            <a:r>
+              <a:rPr lang="ko-KR" altLang="en-US" sz="3000" b="1" dirty="0">
+                <a:ln>
+                  <a:solidFill>
+                    <a:schemeClr val="bg1">
+                      <a:lumMod val="85000"/>
+                      <a:alpha val="30000"/>
+                    </a:schemeClr>
+                  </a:solidFill>
+                </a:ln>
+                <a:solidFill>
+                  <a:schemeClr val="bg1">
+                    <a:lumMod val="95000"/>
+                  </a:schemeClr>
+                </a:solidFill>
+                <a:latin typeface="Yoon 윤고딕 520_TT" pitchFamily="18" charset="-127"/>
+                <a:ea typeface="Yoon 윤고딕 520_TT" pitchFamily="18" charset="-127"/>
+              </a:rPr>
+              <a:t> </a:t>
+            </a:r>
+            <a:r>
+              <a:rPr lang="en-US" altLang="ko-KR" sz="3000" b="1" dirty="0">
+                <a:ln>
+                  <a:solidFill>
+                    <a:schemeClr val="bg1">
+                      <a:lumMod val="85000"/>
+                      <a:alpha val="30000"/>
+                    </a:schemeClr>
+                  </a:solidFill>
+                </a:ln>
+                <a:solidFill>
+                  <a:schemeClr val="bg1">
+                    <a:lumMod val="95000"/>
+                  </a:schemeClr>
+                </a:solidFill>
+                <a:latin typeface="Yoon 윤고딕 520_TT" pitchFamily="18" charset="-127"/>
+                <a:ea typeface="Yoon 윤고딕 520_TT" pitchFamily="18" charset="-127"/>
+              </a:rPr>
+              <a:t>Model </a:t>
+            </a:r>
+            <a:r>
+              <a:rPr lang="ko-KR" altLang="en-US" sz="3000" b="1" dirty="0">
+                <a:ln>
+                  <a:solidFill>
+                    <a:schemeClr val="bg1">
+                      <a:lumMod val="85000"/>
+                      <a:alpha val="30000"/>
+                    </a:schemeClr>
+                  </a:solidFill>
+                </a:ln>
+                <a:solidFill>
+                  <a:schemeClr val="bg1">
+                    <a:lumMod val="95000"/>
+                  </a:schemeClr>
+                </a:solidFill>
+                <a:latin typeface="Yoon 윤고딕 520_TT" pitchFamily="18" charset="-127"/>
+                <a:ea typeface="Yoon 윤고딕 520_TT" pitchFamily="18" charset="-127"/>
+              </a:rPr>
+              <a:t>및 개발 단계</a:t>
+            </a:r>
+            <a:endParaRPr lang="en-US" altLang="ko-KR" sz="3000" b="1" dirty="0">
+              <a:ln>
+                <a:solidFill>
+                  <a:schemeClr val="bg1">
+                    <a:lumMod val="85000"/>
+                    <a:alpha val="30000"/>
+                  </a:schemeClr>
+                </a:solidFill>
+              </a:ln>
+              <a:solidFill>
+                <a:schemeClr val="bg1">
+                  <a:lumMod val="95000"/>
+                </a:schemeClr>
+              </a:solidFill>
+              <a:latin typeface="Yoon 윤고딕 520_TT" pitchFamily="18" charset="-127"/>
+              <a:ea typeface="Yoon 윤고딕 520_TT" pitchFamily="18" charset="-127"/>
+            </a:endParaRPr>
+          </a:p>
+        </p:txBody>
+      </p:sp>
+    </p:spTree>
+    <p:extLst>
+      <p:ext uri="{BB962C8B-B14F-4D97-AF65-F5344CB8AC3E}">
+        <p14:creationId xmlns:p14="http://schemas.microsoft.com/office/powerpoint/2010/main" val="2818201740"/>
+      </p:ext>
+    </p:extLst>
+  </p:cSld>
+  <p:clrMapOvr>
+    <a:masterClrMapping/>
+  </p:clrMapOvr>
+  <mc:AlternateContent xmlns:mc="http://schemas.openxmlformats.org/markup-compatibility/2006" xmlns:p14="http://schemas.microsoft.com/office/powerpoint/2010/main">
+    <mc:Choice Requires="p14">
+      <p:transition spd="med" p14:dur="700">
+        <p:fade/>
+      </p:transition>
+    </mc:Choice>
+    <mc:Fallback xmlns="">
+      <p:transition spd="med">
+        <p:fade/>
+      </p:transition>
+    </mc:Fallback>
+  </mc:AlternateContent>
+</p:sld>
+</file>
+
+<file path=ppt/slides/slide21.xml><?xml version="1.0" encoding="utf-8"?>
+<p:sld xmlns:a="http://schemas.openxmlformats.org/drawingml/2006/main" xmlns:r="http://schemas.openxmlformats.org/officeDocument/2006/relationships" xmlns:p="http://schemas.openxmlformats.org/presentationml/2006/main">
+  <p:cSld>
+    <p:spTree>
+      <p:nvGrpSpPr>
+        <p:cNvPr id="1" name=""/>
+        <p:cNvGrpSpPr/>
+        <p:nvPr/>
+      </p:nvGrpSpPr>
+      <p:grpSpPr>
+        <a:xfrm>
+          <a:off x="0" y="0"/>
+          <a:ext cx="0" cy="0"/>
+          <a:chOff x="0" y="0"/>
+          <a:chExt cx="0" cy="0"/>
+        </a:xfrm>
+      </p:grpSpPr>
+      <p:cxnSp>
+        <p:nvCxnSpPr>
+          <p:cNvPr id="4" name="직선 연결선 3">
+            <a:extLst>
+              <a:ext uri="{FF2B5EF4-FFF2-40B4-BE49-F238E27FC236}">
+                <a16:creationId xmlns:a16="http://schemas.microsoft.com/office/drawing/2014/main" id="{D40E9CAD-CCC2-3D45-B3F0-FB6882154242}"/>
+              </a:ext>
+            </a:extLst>
+          </p:cNvPr>
+          <p:cNvCxnSpPr/>
+          <p:nvPr/>
+        </p:nvCxnSpPr>
+        <p:spPr>
+          <a:xfrm>
+            <a:off x="679558" y="-307239"/>
+            <a:ext cx="0" cy="7472476"/>
+          </a:xfrm>
+          <a:prstGeom prst="line">
+            <a:avLst/>
+          </a:prstGeom>
+          <a:ln>
+            <a:solidFill>
+              <a:schemeClr val="bg1">
+                <a:lumMod val="65000"/>
+                <a:alpha val="50000"/>
+              </a:schemeClr>
+            </a:solidFill>
+          </a:ln>
+        </p:spPr>
+        <p:style>
+          <a:lnRef idx="1">
+            <a:schemeClr val="accent1"/>
+          </a:lnRef>
+          <a:fillRef idx="0">
+            <a:schemeClr val="accent1"/>
+          </a:fillRef>
+          <a:effectRef idx="0">
+            <a:schemeClr val="accent1"/>
+          </a:effectRef>
+          <a:fontRef idx="minor">
+            <a:schemeClr val="tx1"/>
+          </a:fontRef>
+        </p:style>
+      </p:cxnSp>
+      <p:cxnSp>
+        <p:nvCxnSpPr>
+          <p:cNvPr id="5" name="직선 연결선 4">
+            <a:extLst>
+              <a:ext uri="{FF2B5EF4-FFF2-40B4-BE49-F238E27FC236}">
+                <a16:creationId xmlns:a16="http://schemas.microsoft.com/office/drawing/2014/main" id="{4DA05F5B-2DB7-A94E-92C7-EE47E2F57D6C}"/>
+              </a:ext>
+            </a:extLst>
+          </p:cNvPr>
+          <p:cNvCxnSpPr/>
+          <p:nvPr/>
+        </p:nvCxnSpPr>
+        <p:spPr>
+          <a:xfrm flipH="1">
+            <a:off x="683568" y="548680"/>
+            <a:ext cx="9295796" cy="0"/>
+          </a:xfrm>
+          <a:prstGeom prst="line">
+            <a:avLst/>
+          </a:prstGeom>
+          <a:ln>
+            <a:solidFill>
+              <a:schemeClr val="bg1">
+                <a:lumMod val="65000"/>
+                <a:alpha val="50000"/>
+              </a:schemeClr>
+            </a:solidFill>
+          </a:ln>
+        </p:spPr>
+        <p:style>
+          <a:lnRef idx="1">
+            <a:schemeClr val="accent1"/>
+          </a:lnRef>
+          <a:fillRef idx="0">
+            <a:schemeClr val="accent1"/>
+          </a:fillRef>
+          <a:effectRef idx="0">
+            <a:schemeClr val="accent1"/>
+          </a:effectRef>
+          <a:fontRef idx="minor">
+            <a:schemeClr val="tx1"/>
+          </a:fontRef>
+        </p:style>
+      </p:cxnSp>
+      <p:sp>
+        <p:nvSpPr>
+          <p:cNvPr id="6" name="TextBox 5">
+            <a:extLst>
+              <a:ext uri="{FF2B5EF4-FFF2-40B4-BE49-F238E27FC236}">
+                <a16:creationId xmlns:a16="http://schemas.microsoft.com/office/drawing/2014/main" id="{AFA7D2CE-1A1F-3140-BDE2-7C32E8B181DB}"/>
+              </a:ext>
+            </a:extLst>
+          </p:cNvPr>
+          <p:cNvSpPr txBox="1"/>
+          <p:nvPr/>
+        </p:nvSpPr>
+        <p:spPr>
+          <a:xfrm>
+            <a:off x="827584" y="161536"/>
+            <a:ext cx="2880313" cy="369332"/>
+          </a:xfrm>
+          <a:prstGeom prst="rect">
+            <a:avLst/>
+          </a:prstGeom>
+          <a:noFill/>
+        </p:spPr>
+        <p:txBody>
+          <a:bodyPr wrap="square" rtlCol="0">
+            <a:spAutoFit/>
+          </a:bodyPr>
+          <a:lstStyle/>
+          <a:p>
+            <a:pPr algn="ctr"/>
+            <a:r>
+              <a:rPr lang="en-US" altLang="ko-KR" dirty="0">
+                <a:ln>
+                  <a:solidFill>
+                    <a:schemeClr val="tx1">
+                      <a:alpha val="30000"/>
+                    </a:schemeClr>
+                  </a:solidFill>
+                </a:ln>
+                <a:solidFill>
+                  <a:srgbClr val="272123"/>
+                </a:solidFill>
+                <a:latin typeface="Yoon 윤고딕 520_TT" pitchFamily="18" charset="-127"/>
+                <a:ea typeface="Yoon 윤고딕 520_TT" pitchFamily="18" charset="-127"/>
+              </a:rPr>
+              <a:t>Process</a:t>
+            </a:r>
+            <a:r>
+              <a:rPr lang="ko-KR" altLang="en-US" dirty="0">
+                <a:ln>
+                  <a:solidFill>
+                    <a:schemeClr val="tx1">
+                      <a:alpha val="30000"/>
+                    </a:schemeClr>
+                  </a:solidFill>
+                </a:ln>
+                <a:solidFill>
+                  <a:srgbClr val="272123"/>
+                </a:solidFill>
+                <a:latin typeface="Yoon 윤고딕 520_TT" pitchFamily="18" charset="-127"/>
+                <a:ea typeface="Yoon 윤고딕 520_TT" pitchFamily="18" charset="-127"/>
+              </a:rPr>
+              <a:t> </a:t>
+            </a:r>
+            <a:r>
+              <a:rPr lang="en-US" altLang="ko-KR" dirty="0">
+                <a:ln>
+                  <a:solidFill>
+                    <a:schemeClr val="tx1">
+                      <a:alpha val="30000"/>
+                    </a:schemeClr>
+                  </a:solidFill>
+                </a:ln>
+                <a:solidFill>
+                  <a:srgbClr val="272123"/>
+                </a:solidFill>
+                <a:latin typeface="Yoon 윤고딕 520_TT" pitchFamily="18" charset="-127"/>
+                <a:ea typeface="Yoon 윤고딕 520_TT" pitchFamily="18" charset="-127"/>
+              </a:rPr>
+              <a:t>model</a:t>
+            </a:r>
+            <a:r>
+              <a:rPr lang="ko-KR" altLang="en-US" dirty="0">
+                <a:ln>
+                  <a:solidFill>
+                    <a:schemeClr val="tx1">
+                      <a:alpha val="30000"/>
+                    </a:schemeClr>
+                  </a:solidFill>
+                </a:ln>
+                <a:solidFill>
+                  <a:srgbClr val="272123"/>
+                </a:solidFill>
+                <a:latin typeface="Yoon 윤고딕 520_TT" pitchFamily="18" charset="-127"/>
+                <a:ea typeface="Yoon 윤고딕 520_TT" pitchFamily="18" charset="-127"/>
+              </a:rPr>
+              <a:t> </a:t>
+            </a:r>
+            <a:r>
+              <a:rPr lang="en-US" altLang="ko-KR" dirty="0">
+                <a:ln>
+                  <a:solidFill>
+                    <a:schemeClr val="tx1">
+                      <a:alpha val="30000"/>
+                    </a:schemeClr>
+                  </a:solidFill>
+                </a:ln>
+                <a:solidFill>
+                  <a:srgbClr val="272123"/>
+                </a:solidFill>
+                <a:latin typeface="Yoon 윤고딕 520_TT" pitchFamily="18" charset="-127"/>
+                <a:ea typeface="Yoon 윤고딕 520_TT" pitchFamily="18" charset="-127"/>
+              </a:rPr>
+              <a:t>(</a:t>
+            </a:r>
+            <a:r>
+              <a:rPr lang="ko-KR" altLang="en-US" dirty="0">
+                <a:ln>
+                  <a:solidFill>
+                    <a:schemeClr val="tx1">
+                      <a:alpha val="30000"/>
+                    </a:schemeClr>
+                  </a:solidFill>
+                </a:ln>
+                <a:solidFill>
+                  <a:srgbClr val="272123"/>
+                </a:solidFill>
+                <a:latin typeface="Yoon 윤고딕 520_TT" pitchFamily="18" charset="-127"/>
+                <a:ea typeface="Yoon 윤고딕 520_TT" pitchFamily="18" charset="-127"/>
+              </a:rPr>
+              <a:t>변경</a:t>
+            </a:r>
+            <a:r>
+              <a:rPr lang="en-US" altLang="ko-KR" dirty="0">
+                <a:ln>
+                  <a:solidFill>
+                    <a:schemeClr val="tx1">
+                      <a:alpha val="30000"/>
+                    </a:schemeClr>
+                  </a:solidFill>
+                </a:ln>
+                <a:solidFill>
+                  <a:srgbClr val="272123"/>
+                </a:solidFill>
+                <a:latin typeface="Yoon 윤고딕 520_TT" pitchFamily="18" charset="-127"/>
+                <a:ea typeface="Yoon 윤고딕 520_TT" pitchFamily="18" charset="-127"/>
+              </a:rPr>
+              <a:t>)</a:t>
+            </a:r>
+          </a:p>
+        </p:txBody>
+      </p:sp>
+      <p:sp>
+        <p:nvSpPr>
+          <p:cNvPr id="7" name="직사각형 8">
+            <a:extLst>
+              <a:ext uri="{FF2B5EF4-FFF2-40B4-BE49-F238E27FC236}">
+                <a16:creationId xmlns:a16="http://schemas.microsoft.com/office/drawing/2014/main" id="{8D95BCB1-2C52-E24F-AA8A-1D03B6D9263E}"/>
+              </a:ext>
+            </a:extLst>
+          </p:cNvPr>
+          <p:cNvSpPr/>
+          <p:nvPr/>
+        </p:nvSpPr>
+        <p:spPr>
+          <a:xfrm>
+            <a:off x="2433" y="882386"/>
+            <a:ext cx="834325" cy="343501"/>
+          </a:xfrm>
+          <a:prstGeom prst="rect">
+            <a:avLst/>
+          </a:prstGeom>
+          <a:solidFill>
+            <a:srgbClr val="272123"/>
+          </a:solidFill>
+          <a:ln>
+            <a:noFill/>
+          </a:ln>
+        </p:spPr>
+        <p:style>
+          <a:lnRef idx="2">
+            <a:schemeClr val="accent1">
+              <a:shade val="50000"/>
+            </a:schemeClr>
+          </a:lnRef>
+          <a:fillRef idx="1">
+            <a:schemeClr val="accent1"/>
+          </a:fillRef>
+          <a:effectRef idx="0">
+            <a:schemeClr val="accent1"/>
+          </a:effectRef>
+          <a:fontRef idx="minor">
+            <a:schemeClr val="lt1"/>
+          </a:fontRef>
+        </p:style>
+        <p:txBody>
+          <a:bodyPr rtlCol="0" anchor="ctr"/>
+          <a:lstStyle/>
+          <a:p>
+            <a:pPr algn="ctr"/>
+            <a:endParaRPr lang="ko-KR" altLang="en-US"/>
+          </a:p>
+        </p:txBody>
+      </p:sp>
+      <p:sp>
+        <p:nvSpPr>
+          <p:cNvPr id="8" name="직각 삼각형 9">
+            <a:extLst>
+              <a:ext uri="{FF2B5EF4-FFF2-40B4-BE49-F238E27FC236}">
+                <a16:creationId xmlns:a16="http://schemas.microsoft.com/office/drawing/2014/main" id="{0F865C47-191E-3647-9E82-D217576A69A7}"/>
+              </a:ext>
+            </a:extLst>
+          </p:cNvPr>
+          <p:cNvSpPr/>
+          <p:nvPr/>
+        </p:nvSpPr>
+        <p:spPr>
+          <a:xfrm rot="5400000">
+            <a:off x="718128" y="1210699"/>
+            <a:ext cx="81142" cy="108000"/>
+          </a:xfrm>
+          <a:prstGeom prst="rtTriangle">
+            <a:avLst/>
+          </a:prstGeom>
+          <a:solidFill>
+            <a:schemeClr val="tx1"/>
+          </a:solidFill>
+          <a:ln>
+            <a:solidFill>
+              <a:schemeClr val="tx1"/>
+            </a:solidFill>
+          </a:ln>
+        </p:spPr>
+        <p:style>
+          <a:lnRef idx="2">
+            <a:schemeClr val="accent1">
+              <a:shade val="50000"/>
+            </a:schemeClr>
+          </a:lnRef>
+          <a:fillRef idx="1">
+            <a:schemeClr val="accent1"/>
+          </a:fillRef>
+          <a:effectRef idx="0">
+            <a:schemeClr val="accent1"/>
+          </a:effectRef>
+          <a:fontRef idx="minor">
+            <a:schemeClr val="lt1"/>
+          </a:fontRef>
+        </p:style>
+        <p:txBody>
+          <a:bodyPr rtlCol="0" anchor="ctr"/>
+          <a:lstStyle/>
+          <a:p>
+            <a:pPr algn="ctr"/>
+            <a:endParaRPr lang="ko-KR" altLang="en-US"/>
+          </a:p>
+        </p:txBody>
+      </p:sp>
+      <p:sp>
+        <p:nvSpPr>
+          <p:cNvPr id="9" name="TextBox 8">
+            <a:extLst>
+              <a:ext uri="{FF2B5EF4-FFF2-40B4-BE49-F238E27FC236}">
+                <a16:creationId xmlns:a16="http://schemas.microsoft.com/office/drawing/2014/main" id="{801A20DE-A5E5-6841-9A4A-46328466457B}"/>
+              </a:ext>
+            </a:extLst>
+          </p:cNvPr>
+          <p:cNvSpPr txBox="1"/>
+          <p:nvPr/>
+        </p:nvSpPr>
+        <p:spPr>
+          <a:xfrm>
+            <a:off x="123549" y="882386"/>
+            <a:ext cx="541363" cy="338554"/>
+          </a:xfrm>
+          <a:prstGeom prst="rect">
+            <a:avLst/>
+          </a:prstGeom>
+          <a:noFill/>
+        </p:spPr>
+        <p:txBody>
+          <a:bodyPr wrap="square" rtlCol="0">
+            <a:spAutoFit/>
+          </a:bodyPr>
+          <a:lstStyle/>
+          <a:p>
+            <a:r>
+              <a:rPr lang="en-US" altLang="ko-KR" sz="1600" b="1" dirty="0">
+                <a:ln>
+                  <a:solidFill>
+                    <a:schemeClr val="tx1">
+                      <a:alpha val="30000"/>
+                    </a:schemeClr>
+                  </a:solidFill>
+                </a:ln>
+                <a:solidFill>
+                  <a:schemeClr val="bg1">
+                    <a:lumMod val="85000"/>
+                  </a:schemeClr>
+                </a:solidFill>
+                <a:latin typeface="Yoon 윤고딕 520_TT" pitchFamily="18" charset="-127"/>
+                <a:ea typeface="Yoon 윤고딕 520_TT" pitchFamily="18" charset="-127"/>
+              </a:rPr>
+              <a:t>01</a:t>
+            </a:r>
+          </a:p>
+        </p:txBody>
+      </p:sp>
+      <p:sp>
+        <p:nvSpPr>
+          <p:cNvPr id="10" name="TextBox 9">
+            <a:extLst>
+              <a:ext uri="{FF2B5EF4-FFF2-40B4-BE49-F238E27FC236}">
+                <a16:creationId xmlns:a16="http://schemas.microsoft.com/office/drawing/2014/main" id="{05069130-41E4-3942-9570-CB572E5874B1}"/>
+              </a:ext>
+            </a:extLst>
+          </p:cNvPr>
+          <p:cNvSpPr txBox="1"/>
+          <p:nvPr/>
+        </p:nvSpPr>
+        <p:spPr>
+          <a:xfrm>
+            <a:off x="946157" y="724142"/>
+            <a:ext cx="8074285" cy="5791778"/>
+          </a:xfrm>
+          <a:prstGeom prst="rect">
+            <a:avLst/>
+          </a:prstGeom>
+          <a:noFill/>
+        </p:spPr>
+        <p:txBody>
+          <a:bodyPr wrap="square" rtlCol="0">
+            <a:spAutoFit/>
+          </a:bodyPr>
+          <a:lstStyle/>
+          <a:p>
+            <a:pPr marL="342900" indent="-342900">
+              <a:lnSpc>
+                <a:spcPct val="150000"/>
+              </a:lnSpc>
+              <a:buFont typeface="Arial" panose="020B0604020202020204" pitchFamily="34" charset="0"/>
+              <a:buChar char="•"/>
+            </a:pPr>
+            <a:r>
+              <a:rPr lang="en-US" altLang="ko-KR" sz="2400" dirty="0"/>
+              <a:t>Prototyping </a:t>
+            </a:r>
+            <a:r>
+              <a:rPr lang="ko-KR" altLang="en-US" sz="2400" dirty="0"/>
+              <a:t>사용</a:t>
+            </a:r>
+            <a:endParaRPr lang="en-US" altLang="ko-KR" sz="2400" dirty="0"/>
+          </a:p>
+          <a:p>
+            <a:pPr>
+              <a:lnSpc>
+                <a:spcPct val="150000"/>
+              </a:lnSpc>
+            </a:pPr>
+            <a:endParaRPr lang="en-US" altLang="ko-KR" sz="1000" dirty="0"/>
+          </a:p>
+          <a:p>
+            <a:pPr>
+              <a:lnSpc>
+                <a:spcPct val="150000"/>
+              </a:lnSpc>
+            </a:pPr>
+            <a:r>
+              <a:rPr lang="ko-KR" altLang="en-US" sz="2400" dirty="0">
+                <a:highlight>
+                  <a:srgbClr val="C0C0C0"/>
+                </a:highlight>
+              </a:rPr>
+              <a:t>단계별 개발 내용</a:t>
+            </a:r>
+            <a:endParaRPr lang="en-US" altLang="ko-KR" sz="2400" dirty="0">
+              <a:highlight>
+                <a:srgbClr val="C0C0C0"/>
+              </a:highlight>
+            </a:endParaRPr>
+          </a:p>
+          <a:p>
+            <a:pPr marL="457200" indent="-457200">
+              <a:lnSpc>
+                <a:spcPct val="150000"/>
+              </a:lnSpc>
+              <a:buAutoNum type="arabicPeriod"/>
+            </a:pPr>
+            <a:r>
+              <a:rPr lang="ko-KR" altLang="en-US" sz="2400" dirty="0"/>
+              <a:t>기존 프로그램 분석</a:t>
+            </a:r>
+            <a:endParaRPr lang="en-US" altLang="ko-KR" sz="2400" dirty="0"/>
+          </a:p>
+          <a:p>
+            <a:pPr marL="457200" indent="-457200">
+              <a:lnSpc>
+                <a:spcPct val="150000"/>
+              </a:lnSpc>
+              <a:buAutoNum type="arabicPeriod" startAt="2"/>
+            </a:pPr>
+            <a:r>
+              <a:rPr lang="en-US" altLang="ko-KR" sz="2400" dirty="0"/>
+              <a:t>web </a:t>
+            </a:r>
+            <a:r>
+              <a:rPr lang="ko-KR" altLang="en-US" sz="2400" dirty="0"/>
+              <a:t>기반의 인터페이스 구성</a:t>
+            </a:r>
+            <a:endParaRPr lang="en-US" altLang="ko-KR" sz="2400" dirty="0"/>
+          </a:p>
+          <a:p>
+            <a:pPr>
+              <a:lnSpc>
+                <a:spcPct val="150000"/>
+              </a:lnSpc>
+            </a:pPr>
+            <a:r>
+              <a:rPr lang="en-US" altLang="ko-KR" sz="2400" dirty="0"/>
+              <a:t>3.</a:t>
+            </a:r>
+            <a:r>
+              <a:rPr lang="ko-KR" altLang="en-US" sz="2400" dirty="0"/>
+              <a:t> </a:t>
+            </a:r>
+            <a:r>
+              <a:rPr lang="en-US" altLang="ko-KR" sz="2400" dirty="0"/>
+              <a:t> DB </a:t>
+            </a:r>
+            <a:r>
+              <a:rPr lang="ko-KR" altLang="en-US" sz="2400" dirty="0"/>
+              <a:t>모델 설계 및 구현</a:t>
+            </a:r>
+            <a:endParaRPr lang="en-US" altLang="ko-KR" sz="1200" dirty="0"/>
+          </a:p>
+          <a:p>
+            <a:pPr marL="457200" indent="-457200">
+              <a:lnSpc>
+                <a:spcPct val="150000"/>
+              </a:lnSpc>
+              <a:buAutoNum type="arabicPeriod" startAt="4"/>
+            </a:pPr>
+            <a:r>
+              <a:rPr lang="en-US" altLang="ko-KR" sz="2400" dirty="0"/>
+              <a:t>Web</a:t>
+            </a:r>
+            <a:r>
+              <a:rPr lang="ko-KR" altLang="en-US" sz="2400" dirty="0"/>
+              <a:t>프로그램의 기능 구현 및 </a:t>
+            </a:r>
+            <a:r>
+              <a:rPr lang="en-US" altLang="ko-KR" sz="2400" dirty="0"/>
+              <a:t>DB </a:t>
+            </a:r>
+            <a:r>
+              <a:rPr lang="ko-KR" altLang="en-US" sz="2400" dirty="0"/>
+              <a:t>연결</a:t>
+            </a:r>
+            <a:endParaRPr lang="en-US" altLang="ko-KR" sz="2400" dirty="0"/>
+          </a:p>
+          <a:p>
+            <a:pPr marL="457200" indent="-457200">
+              <a:lnSpc>
+                <a:spcPct val="150000"/>
+              </a:lnSpc>
+              <a:buAutoNum type="arabicPeriod" startAt="4"/>
+            </a:pPr>
+            <a:r>
+              <a:rPr lang="ko-KR" altLang="en-US" sz="2400" dirty="0"/>
+              <a:t>추가 기능 구현</a:t>
+            </a:r>
+            <a:endParaRPr lang="en-US" altLang="ko-KR" sz="2400" dirty="0"/>
+          </a:p>
+          <a:p>
+            <a:pPr lvl="1">
+              <a:lnSpc>
+                <a:spcPct val="150000"/>
+              </a:lnSpc>
+            </a:pPr>
+            <a:r>
+              <a:rPr lang="en-US" altLang="ko-KR" sz="2400" dirty="0"/>
+              <a:t>1. </a:t>
+            </a:r>
+            <a:r>
+              <a:rPr lang="ko-KR" altLang="en-US" sz="2400" dirty="0"/>
+              <a:t>회원가입 및 로그인</a:t>
+            </a:r>
+            <a:endParaRPr lang="en-US" altLang="ko-KR" sz="2400" dirty="0"/>
+          </a:p>
+          <a:p>
+            <a:pPr lvl="1">
+              <a:lnSpc>
+                <a:spcPct val="150000"/>
+              </a:lnSpc>
+            </a:pPr>
+            <a:r>
+              <a:rPr lang="en-US" altLang="ko-KR" sz="2400" dirty="0"/>
+              <a:t>2. </a:t>
+            </a:r>
+            <a:r>
+              <a:rPr lang="ko-KR" altLang="en-US" sz="2400" dirty="0"/>
+              <a:t>검색</a:t>
+            </a:r>
+            <a:r>
+              <a:rPr lang="en-US" altLang="ko-KR" sz="2400" dirty="0"/>
+              <a:t>, </a:t>
+            </a:r>
+            <a:r>
+              <a:rPr lang="ko-KR" altLang="en-US" sz="2400" dirty="0" err="1"/>
+              <a:t>별점</a:t>
+            </a:r>
+            <a:r>
+              <a:rPr lang="en-US" altLang="ko-KR" sz="2400" dirty="0"/>
+              <a:t>, </a:t>
+            </a:r>
+            <a:r>
+              <a:rPr lang="ko-KR" altLang="en-US" sz="2400" dirty="0"/>
+              <a:t>후기</a:t>
+            </a:r>
+            <a:endParaRPr lang="en-US" altLang="ko-KR" sz="2400" dirty="0"/>
+          </a:p>
+          <a:p>
+            <a:pPr lvl="1">
+              <a:lnSpc>
+                <a:spcPct val="150000"/>
+              </a:lnSpc>
+            </a:pPr>
+            <a:r>
+              <a:rPr lang="en-US" altLang="ko-KR" sz="2400" dirty="0"/>
+              <a:t>3. </a:t>
+            </a:r>
+            <a:r>
+              <a:rPr lang="ko-KR" altLang="en-US" sz="2400" dirty="0"/>
+              <a:t>신고하기</a:t>
+            </a:r>
+            <a:endParaRPr lang="en-US" altLang="ko-KR" sz="2400" dirty="0"/>
+          </a:p>
+        </p:txBody>
+      </p:sp>
+      <p:sp>
+        <p:nvSpPr>
+          <p:cNvPr id="11" name="직각 삼각형 9">
+            <a:extLst>
+              <a:ext uri="{FF2B5EF4-FFF2-40B4-BE49-F238E27FC236}">
+                <a16:creationId xmlns:a16="http://schemas.microsoft.com/office/drawing/2014/main" id="{EBE6DB46-2078-E642-99E9-1DE36109D8E5}"/>
+              </a:ext>
+            </a:extLst>
+          </p:cNvPr>
+          <p:cNvSpPr/>
+          <p:nvPr/>
+        </p:nvSpPr>
+        <p:spPr>
+          <a:xfrm rot="5400000">
+            <a:off x="718128" y="1210699"/>
+            <a:ext cx="81142" cy="108000"/>
+          </a:xfrm>
+          <a:prstGeom prst="rtTriangle">
+            <a:avLst/>
+          </a:prstGeom>
+          <a:solidFill>
+            <a:schemeClr val="tx1"/>
+          </a:solidFill>
+          <a:ln>
+            <a:solidFill>
+              <a:schemeClr val="tx1"/>
+            </a:solidFill>
+          </a:ln>
+        </p:spPr>
+        <p:style>
+          <a:lnRef idx="2">
+            <a:schemeClr val="accent1">
+              <a:shade val="50000"/>
+            </a:schemeClr>
+          </a:lnRef>
+          <a:fillRef idx="1">
+            <a:schemeClr val="accent1"/>
+          </a:fillRef>
+          <a:effectRef idx="0">
+            <a:schemeClr val="accent1"/>
+          </a:effectRef>
+          <a:fontRef idx="minor">
+            <a:schemeClr val="lt1"/>
+          </a:fontRef>
+        </p:style>
+        <p:txBody>
+          <a:bodyPr rtlCol="0" anchor="ctr"/>
+          <a:lstStyle/>
+          <a:p>
+            <a:pPr algn="ctr"/>
+            <a:endParaRPr lang="ko-KR" altLang="en-US"/>
+          </a:p>
+        </p:txBody>
+      </p:sp>
+      <p:sp>
+        <p:nvSpPr>
+          <p:cNvPr id="12" name="직사각형 8">
+            <a:extLst>
+              <a:ext uri="{FF2B5EF4-FFF2-40B4-BE49-F238E27FC236}">
+                <a16:creationId xmlns:a16="http://schemas.microsoft.com/office/drawing/2014/main" id="{D20FA72C-9357-E94E-B469-445CA6C55939}"/>
+              </a:ext>
+            </a:extLst>
+          </p:cNvPr>
+          <p:cNvSpPr/>
+          <p:nvPr/>
+        </p:nvSpPr>
+        <p:spPr>
+          <a:xfrm>
+            <a:off x="-9283" y="877188"/>
+            <a:ext cx="834325" cy="343501"/>
+          </a:xfrm>
+          <a:prstGeom prst="rect">
+            <a:avLst/>
+          </a:prstGeom>
+          <a:solidFill>
+            <a:srgbClr val="272123"/>
+          </a:solidFill>
+          <a:ln>
+            <a:noFill/>
+          </a:ln>
+        </p:spPr>
+        <p:style>
+          <a:lnRef idx="2">
+            <a:schemeClr val="accent1">
+              <a:shade val="50000"/>
+            </a:schemeClr>
+          </a:lnRef>
+          <a:fillRef idx="1">
+            <a:schemeClr val="accent1"/>
+          </a:fillRef>
+          <a:effectRef idx="0">
+            <a:schemeClr val="accent1"/>
+          </a:effectRef>
+          <a:fontRef idx="minor">
+            <a:schemeClr val="lt1"/>
+          </a:fontRef>
+        </p:style>
+        <p:txBody>
+          <a:bodyPr rtlCol="0" anchor="ctr"/>
+          <a:lstStyle/>
+          <a:p>
+            <a:pPr algn="ctr"/>
+            <a:endParaRPr lang="ko-KR" altLang="en-US"/>
+          </a:p>
+        </p:txBody>
+      </p:sp>
+      <p:sp>
+        <p:nvSpPr>
+          <p:cNvPr id="13" name="직각 삼각형 9">
+            <a:extLst>
+              <a:ext uri="{FF2B5EF4-FFF2-40B4-BE49-F238E27FC236}">
+                <a16:creationId xmlns:a16="http://schemas.microsoft.com/office/drawing/2014/main" id="{887F040D-C457-CD4B-9572-99DFF4913DD8}"/>
+              </a:ext>
+            </a:extLst>
+          </p:cNvPr>
+          <p:cNvSpPr/>
+          <p:nvPr/>
+        </p:nvSpPr>
+        <p:spPr>
+          <a:xfrm rot="5400000">
+            <a:off x="702755" y="1207262"/>
+            <a:ext cx="81142" cy="108000"/>
+          </a:xfrm>
+          <a:prstGeom prst="rtTriangle">
+            <a:avLst/>
+          </a:prstGeom>
+          <a:solidFill>
+            <a:schemeClr val="tx1"/>
+          </a:solidFill>
+          <a:ln>
+            <a:solidFill>
+              <a:schemeClr val="tx1"/>
+            </a:solidFill>
+          </a:ln>
+        </p:spPr>
+        <p:style>
+          <a:lnRef idx="2">
+            <a:schemeClr val="accent1">
+              <a:shade val="50000"/>
+            </a:schemeClr>
+          </a:lnRef>
+          <a:fillRef idx="1">
+            <a:schemeClr val="accent1"/>
+          </a:fillRef>
+          <a:effectRef idx="0">
+            <a:schemeClr val="accent1"/>
+          </a:effectRef>
+          <a:fontRef idx="minor">
+            <a:schemeClr val="lt1"/>
+          </a:fontRef>
+        </p:style>
+        <p:txBody>
+          <a:bodyPr rtlCol="0" anchor="ctr"/>
+          <a:lstStyle/>
+          <a:p>
+            <a:pPr algn="ctr"/>
+            <a:endParaRPr lang="ko-KR" altLang="en-US"/>
+          </a:p>
+        </p:txBody>
+      </p:sp>
+      <p:sp>
+        <p:nvSpPr>
+          <p:cNvPr id="14" name="TextBox 13">
+            <a:extLst>
+              <a:ext uri="{FF2B5EF4-FFF2-40B4-BE49-F238E27FC236}">
+                <a16:creationId xmlns:a16="http://schemas.microsoft.com/office/drawing/2014/main" id="{5922AC44-72D6-CD40-8089-FA567ED5412B}"/>
+              </a:ext>
+            </a:extLst>
+          </p:cNvPr>
+          <p:cNvSpPr txBox="1"/>
+          <p:nvPr/>
+        </p:nvSpPr>
+        <p:spPr>
+          <a:xfrm>
+            <a:off x="123549" y="882386"/>
+            <a:ext cx="541363" cy="338554"/>
+          </a:xfrm>
+          <a:prstGeom prst="rect">
+            <a:avLst/>
+          </a:prstGeom>
+          <a:noFill/>
+        </p:spPr>
+        <p:txBody>
+          <a:bodyPr wrap="square" rtlCol="0">
+            <a:spAutoFit/>
+          </a:bodyPr>
+          <a:lstStyle/>
+          <a:p>
+            <a:r>
+              <a:rPr lang="en-US" altLang="ko-KR" sz="1600" b="1" dirty="0">
+                <a:ln>
+                  <a:solidFill>
+                    <a:schemeClr val="bg1">
+                      <a:lumMod val="75000"/>
+                      <a:alpha val="30000"/>
+                    </a:schemeClr>
+                  </a:solidFill>
+                </a:ln>
+                <a:solidFill>
+                  <a:schemeClr val="bg1">
+                    <a:lumMod val="75000"/>
+                  </a:schemeClr>
+                </a:solidFill>
+                <a:latin typeface="Yoon 윤고딕 520_TT" pitchFamily="18" charset="-127"/>
+                <a:ea typeface="Yoon 윤고딕 520_TT" pitchFamily="18" charset="-127"/>
+              </a:rPr>
+              <a:t>01</a:t>
+            </a:r>
+          </a:p>
+        </p:txBody>
+      </p:sp>
+      <p:sp>
+        <p:nvSpPr>
+          <p:cNvPr id="16" name="TextBox 15">
+            <a:extLst>
+              <a:ext uri="{FF2B5EF4-FFF2-40B4-BE49-F238E27FC236}">
+                <a16:creationId xmlns:a16="http://schemas.microsoft.com/office/drawing/2014/main" id="{558C40EB-071A-D941-8EC2-D1821BE40550}"/>
+              </a:ext>
+            </a:extLst>
+          </p:cNvPr>
+          <p:cNvSpPr txBox="1"/>
+          <p:nvPr/>
+        </p:nvSpPr>
+        <p:spPr>
+          <a:xfrm>
+            <a:off x="954593" y="4280598"/>
+            <a:ext cx="184731" cy="369332"/>
+          </a:xfrm>
+          <a:prstGeom prst="rect">
+            <a:avLst/>
+          </a:prstGeom>
+          <a:noFill/>
+        </p:spPr>
+        <p:txBody>
+          <a:bodyPr wrap="none" rtlCol="0">
+            <a:spAutoFit/>
+          </a:bodyPr>
+          <a:lstStyle/>
+          <a:p>
+            <a:endParaRPr lang="en-US" dirty="0"/>
+          </a:p>
+        </p:txBody>
+      </p:sp>
+    </p:spTree>
+    <p:extLst>
+      <p:ext uri="{BB962C8B-B14F-4D97-AF65-F5344CB8AC3E}">
+        <p14:creationId xmlns:p14="http://schemas.microsoft.com/office/powerpoint/2010/main" val="2929990286"/>
+      </p:ext>
+    </p:extLst>
+  </p:cSld>
+  <p:clrMapOvr>
+    <a:masterClrMapping/>
+  </p:clrMapOvr>
+</p:sld>
+</file>
+
+<file path=ppt/slides/slide22.xml><?xml version="1.0" encoding="utf-8"?>
+<p:sld xmlns:a="http://schemas.openxmlformats.org/drawingml/2006/main" xmlns:r="http://schemas.openxmlformats.org/officeDocument/2006/relationships" xmlns:p="http://schemas.openxmlformats.org/presentationml/2006/main">
+  <p:cSld>
+    <p:bg>
+      <p:bgPr>
+        <a:solidFill>
+          <a:srgbClr val="272123"/>
+        </a:solidFill>
+        <a:effectLst/>
+      </p:bgPr>
+    </p:bg>
+    <p:spTree>
+      <p:nvGrpSpPr>
+        <p:cNvPr id="1" name=""/>
+        <p:cNvGrpSpPr/>
+        <p:nvPr/>
+      </p:nvGrpSpPr>
+      <p:grpSpPr>
+        <a:xfrm>
+          <a:off x="0" y="0"/>
+          <a:ext cx="0" cy="0"/>
+          <a:chOff x="0" y="0"/>
+          <a:chExt cx="0" cy="0"/>
+        </a:xfrm>
+      </p:grpSpPr>
+      <p:sp>
+        <p:nvSpPr>
+          <p:cNvPr id="4" name="TextBox 3"/>
+          <p:cNvSpPr txBox="1"/>
+          <p:nvPr/>
+        </p:nvSpPr>
+        <p:spPr>
+          <a:xfrm>
+            <a:off x="683568" y="3075057"/>
+            <a:ext cx="3333024" cy="707886"/>
+          </a:xfrm>
+          <a:prstGeom prst="rect">
+            <a:avLst/>
+          </a:prstGeom>
+          <a:noFill/>
+        </p:spPr>
+        <p:txBody>
+          <a:bodyPr wrap="square" rtlCol="0">
+            <a:spAutoFit/>
+          </a:bodyPr>
+          <a:lstStyle/>
+          <a:p>
+            <a:r>
+              <a:rPr lang="en-US" altLang="ko-KR" sz="4000" b="1" dirty="0">
+                <a:ln>
+                  <a:solidFill>
+                    <a:schemeClr val="bg1">
+                      <a:lumMod val="85000"/>
+                      <a:alpha val="30000"/>
+                    </a:schemeClr>
+                  </a:solidFill>
+                </a:ln>
+                <a:solidFill>
+                  <a:schemeClr val="bg1">
+                    <a:lumMod val="95000"/>
+                  </a:schemeClr>
+                </a:solidFill>
+                <a:latin typeface="Yoon 윤고딕 520_TT" pitchFamily="18" charset="-127"/>
+                <a:ea typeface="Yoon 윤고딕 520_TT" pitchFamily="18" charset="-127"/>
+              </a:rPr>
+              <a:t>Thank you</a:t>
+            </a:r>
+          </a:p>
+        </p:txBody>
+      </p:sp>
+    </p:spTree>
+    <p:extLst>
+      <p:ext uri="{BB962C8B-B14F-4D97-AF65-F5344CB8AC3E}">
+        <p14:creationId xmlns:p14="http://schemas.microsoft.com/office/powerpoint/2010/main" val="2970008273"/>
       </p:ext>
     </p:extLst>
   </p:cSld>

--- a/6조 발표자료.pptx
+++ b/6조 발표자료.pptx
@@ -7859,6 +7859,36 @@
           </a:p>
         </p:txBody>
       </p:sp>
+      <p:pic>
+        <p:nvPicPr>
+          <p:cNvPr id="2" name="Picture 1">
+            <a:extLst>
+              <a:ext uri="{FF2B5EF4-FFF2-40B4-BE49-F238E27FC236}">
+                <a16:creationId xmlns:a16="http://schemas.microsoft.com/office/drawing/2014/main" id="{5001BC55-DF6E-B448-84B0-F2EFDFE5B8A6}"/>
+              </a:ext>
+            </a:extLst>
+          </p:cNvPr>
+          <p:cNvPicPr>
+            <a:picLocks noChangeAspect="1"/>
+          </p:cNvPicPr>
+          <p:nvPr/>
+        </p:nvPicPr>
+        <p:blipFill>
+          <a:blip r:embed="rId2"/>
+          <a:stretch>
+            <a:fillRect/>
+          </a:stretch>
+        </p:blipFill>
+        <p:spPr>
+          <a:xfrm>
+            <a:off x="948415" y="741013"/>
+            <a:ext cx="7964022" cy="5907737"/>
+          </a:xfrm>
+          <a:prstGeom prst="rect">
+            <a:avLst/>
+          </a:prstGeom>
+        </p:spPr>
+      </p:pic>
     </p:spTree>
     <p:extLst>
       <p:ext uri="{BB962C8B-B14F-4D97-AF65-F5344CB8AC3E}">
